--- a/summary.pptx
+++ b/summary.pptx
@@ -3432,8 +3432,8 @@
         </p:nvCxnSpPr>
         <p:spPr>
           <a:xfrm flipV="1">
-            <a:off x="1617483" y="1362372"/>
-            <a:ext cx="0" cy="2394345"/>
+            <a:off x="1617483" y="1362373"/>
+            <a:ext cx="0" cy="1862749"/>
           </a:xfrm>
           <a:prstGeom prst="straightConnector1">
             <a:avLst/>
@@ -3469,7 +3469,7 @@
         <p:spPr>
           <a:xfrm>
             <a:off x="2472107" y="1362371"/>
-            <a:ext cx="0" cy="2398380"/>
+            <a:ext cx="0" cy="1971804"/>
           </a:xfrm>
           <a:prstGeom prst="straightConnector1">
             <a:avLst/>
@@ -3504,7 +3504,7 @@
         </p:nvCxnSpPr>
         <p:spPr>
           <a:xfrm flipV="1">
-            <a:off x="5083970" y="1447611"/>
+            <a:off x="6517125" y="1463777"/>
             <a:ext cx="0" cy="1858358"/>
           </a:xfrm>
           <a:prstGeom prst="straightConnector1">
@@ -3540,7 +3540,7 @@
         </p:nvCxnSpPr>
         <p:spPr>
           <a:xfrm>
-            <a:off x="5697988" y="1472138"/>
+            <a:off x="7131143" y="1488304"/>
             <a:ext cx="0" cy="1887253"/>
           </a:xfrm>
           <a:prstGeom prst="straightConnector1">
@@ -3743,7 +3743,7 @@
         </p:nvSpPr>
         <p:spPr>
           <a:xfrm>
-            <a:off x="4342996" y="1892703"/>
+            <a:off x="5776151" y="1908869"/>
             <a:ext cx="830609" cy="239527"/>
           </a:xfrm>
           <a:prstGeom prst="roundRect">
@@ -3800,7 +3800,7 @@
         </p:nvSpPr>
         <p:spPr>
           <a:xfrm>
-            <a:off x="5611175" y="1884541"/>
+            <a:off x="7044330" y="1900707"/>
             <a:ext cx="1037096" cy="239527"/>
           </a:xfrm>
           <a:prstGeom prst="roundRect">
@@ -3862,8 +3862,8 @@
         </p:nvCxnSpPr>
         <p:spPr>
           <a:xfrm rot="10800000" flipV="1">
-            <a:off x="5335050" y="4178601"/>
-            <a:ext cx="1842979" cy="781512"/>
+            <a:off x="5335050" y="4613241"/>
+            <a:ext cx="1842979" cy="346872"/>
           </a:xfrm>
           <a:prstGeom prst="bentConnector3">
             <a:avLst/>
@@ -3926,18 +3926,18 @@
       <p:cxnSp>
         <p:nvCxnSpPr>
           <p:cNvPr id="71" name="カギ線コネクタ 70"/>
-          <p:cNvCxnSpPr/>
+          <p:cNvCxnSpPr>
+            <a:stCxn id="66" idx="0"/>
+          </p:cNvCxnSpPr>
           <p:nvPr/>
         </p:nvCxnSpPr>
         <p:spPr>
-          <a:xfrm flipV="1">
-            <a:off x="2769611" y="3581028"/>
-            <a:ext cx="1802389" cy="402230"/>
-          </a:xfrm>
-          <a:prstGeom prst="bentConnector3">
-            <a:avLst>
-              <a:gd name="adj1" fmla="val 42342"/>
-            </a:avLst>
+          <a:xfrm rot="5400000" flipH="1" flipV="1">
+            <a:off x="4276294" y="2648388"/>
+            <a:ext cx="772687" cy="2227027"/>
+          </a:xfrm>
+          <a:prstGeom prst="bentConnector2">
+            <a:avLst/>
           </a:prstGeom>
           <a:ln w="57150">
             <a:solidFill>
@@ -3969,12 +3969,12 @@
         </p:nvCxnSpPr>
         <p:spPr>
           <a:xfrm rot="10800000" flipV="1">
-            <a:off x="2736852" y="3789039"/>
-            <a:ext cx="1835148" cy="504055"/>
+            <a:off x="3784841" y="3695460"/>
+            <a:ext cx="1991310" cy="433570"/>
           </a:xfrm>
           <a:prstGeom prst="bentConnector3">
             <a:avLst>
-              <a:gd name="adj1" fmla="val 50000"/>
+              <a:gd name="adj1" fmla="val 100251"/>
             </a:avLst>
           </a:prstGeom>
           <a:ln w="57150">
@@ -4007,7 +4007,7 @@
         </p:nvSpPr>
         <p:spPr>
           <a:xfrm>
-            <a:off x="3219086" y="3405263"/>
+            <a:off x="4161975" y="2840914"/>
             <a:ext cx="830609" cy="239527"/>
           </a:xfrm>
           <a:prstGeom prst="roundRect">
@@ -4064,7 +4064,7 @@
         </p:nvSpPr>
         <p:spPr>
           <a:xfrm>
-            <a:off x="3423656" y="4127888"/>
+            <a:off x="4402869" y="3822549"/>
             <a:ext cx="1037096" cy="239527"/>
           </a:xfrm>
           <a:prstGeom prst="roundRect">
@@ -4119,14 +4119,15 @@
         <p:nvCxnSpPr>
           <p:cNvPr id="88" name="カギ線コネクタ 87"/>
           <p:cNvCxnSpPr>
+            <a:stCxn id="66" idx="2"/>
             <a:endCxn id="1028" idx="1"/>
           </p:cNvCxnSpPr>
           <p:nvPr/>
         </p:nvCxnSpPr>
         <p:spPr>
           <a:xfrm rot="16200000" flipH="1">
-            <a:off x="2741090" y="3245353"/>
-            <a:ext cx="976854" cy="2452665"/>
+            <a:off x="3843405" y="4347668"/>
+            <a:ext cx="318164" cy="906726"/>
           </a:xfrm>
           <a:prstGeom prst="bentConnector2">
             <a:avLst/>
@@ -4276,24 +4277,22 @@
       </p:cxnSp>
       <p:sp>
         <p:nvSpPr>
-          <p:cNvPr id="2" name="円/楕円 1"/>
+          <p:cNvPr id="59" name="正方形/長方形 58"/>
           <p:cNvSpPr/>
           <p:nvPr/>
         </p:nvSpPr>
         <p:spPr>
           <a:xfrm>
-            <a:off x="1118910" y="3038659"/>
-            <a:ext cx="325753" cy="325753"/>
-          </a:xfrm>
-          <a:prstGeom prst="ellipse">
+            <a:off x="1323268" y="2370168"/>
+            <a:ext cx="1253387" cy="493705"/>
+          </a:xfrm>
+          <a:prstGeom prst="rect">
             <a:avLst/>
           </a:prstGeom>
           <a:solidFill>
-            <a:srgbClr val="FF0000"/>
+            <a:schemeClr val="bg1"/>
           </a:solidFill>
-          <a:ln>
-            <a:noFill/>
-          </a:ln>
+          <a:ln w="19050"/>
         </p:spPr>
         <p:style>
           <a:lnRef idx="2">
@@ -4316,62 +4315,6 @@
           <a:lstStyle/>
           <a:p>
             <a:pPr algn="ctr"/>
-            <a:r>
-              <a:rPr kumimoji="1" lang="en-US" altLang="ja-JP" dirty="0" smtClean="0">
-                <a:solidFill>
-                  <a:schemeClr val="bg1"/>
-                </a:solidFill>
-              </a:rPr>
-              <a:t>1</a:t>
-            </a:r>
-            <a:endParaRPr kumimoji="1" lang="ja-JP" altLang="en-US" dirty="0">
-              <a:solidFill>
-                <a:schemeClr val="bg1"/>
-              </a:solidFill>
-            </a:endParaRPr>
-          </a:p>
-        </p:txBody>
-      </p:sp>
-      <p:sp>
-        <p:nvSpPr>
-          <p:cNvPr id="59" name="正方形/長方形 58"/>
-          <p:cNvSpPr/>
-          <p:nvPr/>
-        </p:nvSpPr>
-        <p:spPr>
-          <a:xfrm>
-            <a:off x="1323268" y="2370168"/>
-            <a:ext cx="1253387" cy="493705"/>
-          </a:xfrm>
-          <a:prstGeom prst="rect">
-            <a:avLst/>
-          </a:prstGeom>
-          <a:solidFill>
-            <a:schemeClr val="bg1"/>
-          </a:solidFill>
-          <a:ln w="19050"/>
-        </p:spPr>
-        <p:style>
-          <a:lnRef idx="2">
-            <a:schemeClr val="accent1">
-              <a:shade val="50000"/>
-            </a:schemeClr>
-          </a:lnRef>
-          <a:fillRef idx="1">
-            <a:schemeClr val="accent1"/>
-          </a:fillRef>
-          <a:effectRef idx="0">
-            <a:schemeClr val="accent1"/>
-          </a:effectRef>
-          <a:fontRef idx="minor">
-            <a:schemeClr val="lt1"/>
-          </a:fontRef>
-        </p:style>
-        <p:txBody>
-          <a:bodyPr rtlCol="0" anchor="ctr"/>
-          <a:lstStyle/>
-          <a:p>
-            <a:pPr algn="ctr"/>
             <a:endParaRPr kumimoji="1" lang="ja-JP" altLang="en-US"/>
           </a:p>
         </p:txBody>
@@ -4384,7 +4327,7 @@
         </p:nvSpPr>
         <p:spPr>
           <a:xfrm>
-            <a:off x="2971531" y="3016639"/>
+            <a:off x="3914420" y="2452290"/>
             <a:ext cx="325753" cy="325753"/>
           </a:xfrm>
           <a:prstGeom prst="ellipse">
@@ -4498,7 +4441,7 @@
         </p:blipFill>
         <p:spPr bwMode="auto">
           <a:xfrm>
-            <a:off x="4555111" y="808232"/>
+            <a:off x="5988266" y="824398"/>
             <a:ext cx="1659765" cy="663906"/>
           </a:xfrm>
           <a:prstGeom prst="rect">
@@ -4527,8 +4470,8 @@
         </p:nvCxnSpPr>
         <p:spPr>
           <a:xfrm flipV="1">
-            <a:off x="7788115" y="4425453"/>
-            <a:ext cx="16607" cy="1199020"/>
+            <a:off x="7788115" y="4860093"/>
+            <a:ext cx="16607" cy="764380"/>
           </a:xfrm>
           <a:prstGeom prst="straightConnector1">
             <a:avLst/>
@@ -4645,7 +4588,7 @@
         </p:nvSpPr>
         <p:spPr>
           <a:xfrm>
-            <a:off x="4686765" y="2359231"/>
+            <a:off x="6119920" y="2375397"/>
             <a:ext cx="1253387" cy="493705"/>
           </a:xfrm>
           <a:prstGeom prst="rect">
@@ -4704,7 +4647,7 @@
         </p:blipFill>
         <p:spPr bwMode="auto">
           <a:xfrm>
-            <a:off x="4524665" y="2179216"/>
+            <a:off x="5957820" y="2195382"/>
             <a:ext cx="504323" cy="392363"/>
           </a:xfrm>
           <a:prstGeom prst="rect">
@@ -4745,7 +4688,7 @@
         </p:blipFill>
         <p:spPr bwMode="auto">
           <a:xfrm>
-            <a:off x="4957576" y="2485417"/>
+            <a:off x="6390731" y="2501583"/>
             <a:ext cx="814021" cy="272018"/>
           </a:xfrm>
           <a:prstGeom prst="rect">
@@ -4771,7 +4714,7 @@
         </p:nvSpPr>
         <p:spPr>
           <a:xfrm>
-            <a:off x="1374397" y="3926147"/>
+            <a:off x="2922430" y="4148244"/>
             <a:ext cx="1253387" cy="493705"/>
           </a:xfrm>
           <a:prstGeom prst="rect">
@@ -4804,16 +4747,6 @@
           <a:p>
             <a:pPr algn="ctr"/>
             <a:r>
-              <a:rPr lang="en-US" altLang="ja-JP" sz="1200" dirty="0">
-                <a:solidFill>
-                  <a:schemeClr val="bg2">
-                    <a:lumMod val="10000"/>
-                  </a:schemeClr>
-                </a:solidFill>
-              </a:rPr>
-              <a:t>g</a:t>
-            </a:r>
-            <a:r>
               <a:rPr kumimoji="1" lang="en-US" altLang="ja-JP" sz="1200" dirty="0" smtClean="0">
                 <a:solidFill>
                   <a:schemeClr val="bg2">
@@ -4821,7 +4754,7 @@
                   </a:schemeClr>
                 </a:solidFill>
               </a:rPr>
-              <a:t>et-page</a:t>
+              <a:t>collect</a:t>
             </a:r>
             <a:endParaRPr kumimoji="1" lang="ja-JP" altLang="en-US" sz="1200" dirty="0">
               <a:solidFill>
@@ -4856,7 +4789,7 @@
         </p:blipFill>
         <p:spPr bwMode="auto">
           <a:xfrm>
-            <a:off x="1180846" y="3756717"/>
+            <a:off x="2635007" y="3942313"/>
             <a:ext cx="504323" cy="392363"/>
           </a:xfrm>
           <a:prstGeom prst="rect">
@@ -4882,7 +4815,7 @@
         </p:nvSpPr>
         <p:spPr>
           <a:xfrm>
-            <a:off x="4721860" y="3432442"/>
+            <a:off x="6155015" y="3448608"/>
             <a:ext cx="1253387" cy="493705"/>
           </a:xfrm>
           <a:prstGeom prst="rect">
@@ -4967,7 +4900,7 @@
         </p:blipFill>
         <p:spPr bwMode="auto">
           <a:xfrm>
-            <a:off x="4559760" y="3252427"/>
+            <a:off x="5992915" y="3268593"/>
             <a:ext cx="504323" cy="392363"/>
           </a:xfrm>
           <a:prstGeom prst="rect">
@@ -5029,7 +4962,7 @@
         </p:nvSpPr>
         <p:spPr>
           <a:xfrm>
-            <a:off x="3232928" y="3069077"/>
+            <a:off x="4175817" y="2504728"/>
             <a:ext cx="1143262" cy="253916"/>
           </a:xfrm>
           <a:prstGeom prst="rect">
@@ -5059,49 +4992,13 @@
       </p:sp>
       <p:sp>
         <p:nvSpPr>
-          <p:cNvPr id="80" name="テキスト ボックス 79"/>
-          <p:cNvSpPr txBox="1"/>
-          <p:nvPr/>
-        </p:nvSpPr>
-        <p:spPr>
-          <a:xfrm>
-            <a:off x="1476416" y="3086909"/>
-            <a:ext cx="1303562" cy="253916"/>
-          </a:xfrm>
-          <a:prstGeom prst="rect">
-            <a:avLst/>
-          </a:prstGeom>
-          <a:noFill/>
-        </p:spPr>
-        <p:txBody>
-          <a:bodyPr wrap="none" rtlCol="0">
-            <a:spAutoFit/>
-          </a:bodyPr>
-          <a:lstStyle/>
-          <a:p>
-            <a:r>
-              <a:rPr kumimoji="1" lang="en-US" altLang="ja-JP" sz="1050" dirty="0" smtClean="0">
-                <a:latin typeface="メイリオ" panose="020B0604030504040204" pitchFamily="50" charset="-128"/>
-                <a:ea typeface="メイリオ" panose="020B0604030504040204" pitchFamily="50" charset="-128"/>
-              </a:rPr>
-              <a:t>Get search result</a:t>
-            </a:r>
-            <a:endParaRPr kumimoji="1" lang="ja-JP" altLang="en-US" sz="1050" dirty="0">
-              <a:latin typeface="メイリオ" panose="020B0604030504040204" pitchFamily="50" charset="-128"/>
-              <a:ea typeface="メイリオ" panose="020B0604030504040204" pitchFamily="50" charset="-128"/>
-            </a:endParaRPr>
-          </a:p>
-        </p:txBody>
-      </p:sp>
-      <p:sp>
-        <p:nvSpPr>
           <p:cNvPr id="89" name="正方形/長方形 88"/>
           <p:cNvSpPr/>
           <p:nvPr/>
         </p:nvSpPr>
         <p:spPr>
           <a:xfrm>
-            <a:off x="7178028" y="3931748"/>
+            <a:off x="7178028" y="4366388"/>
             <a:ext cx="1253387" cy="493705"/>
           </a:xfrm>
           <a:prstGeom prst="rect">
@@ -5166,7 +5063,7 @@
         </p:blipFill>
         <p:spPr bwMode="auto">
           <a:xfrm>
-            <a:off x="7015928" y="3751733"/>
+            <a:off x="7015928" y="4186373"/>
             <a:ext cx="504323" cy="392363"/>
           </a:xfrm>
           <a:prstGeom prst="rect">
@@ -5207,7 +5104,7 @@
         </p:blipFill>
         <p:spPr bwMode="auto">
           <a:xfrm>
-            <a:off x="7434126" y="4097395"/>
+            <a:off x="7434126" y="4532035"/>
             <a:ext cx="816510" cy="219829"/>
           </a:xfrm>
           <a:prstGeom prst="rect">
@@ -5319,6 +5216,239 @@
           </a:p>
         </p:txBody>
       </p:sp>
+      <p:sp>
+        <p:nvSpPr>
+          <p:cNvPr id="46" name="正方形/長方形 45"/>
+          <p:cNvSpPr/>
+          <p:nvPr/>
+        </p:nvSpPr>
+        <p:spPr>
+          <a:xfrm>
+            <a:off x="1374397" y="3334175"/>
+            <a:ext cx="1253387" cy="493705"/>
+          </a:xfrm>
+          <a:prstGeom prst="rect">
+            <a:avLst/>
+          </a:prstGeom>
+          <a:solidFill>
+            <a:schemeClr val="bg1"/>
+          </a:solidFill>
+          <a:ln w="19050"/>
+        </p:spPr>
+        <p:style>
+          <a:lnRef idx="2">
+            <a:schemeClr val="accent1">
+              <a:shade val="50000"/>
+            </a:schemeClr>
+          </a:lnRef>
+          <a:fillRef idx="1">
+            <a:schemeClr val="accent1"/>
+          </a:fillRef>
+          <a:effectRef idx="0">
+            <a:schemeClr val="accent1"/>
+          </a:effectRef>
+          <a:fontRef idx="minor">
+            <a:schemeClr val="lt1"/>
+          </a:fontRef>
+        </p:style>
+        <p:txBody>
+          <a:bodyPr rtlCol="0" anchor="ctr"/>
+          <a:lstStyle/>
+          <a:p>
+            <a:pPr algn="ctr"/>
+            <a:r>
+              <a:rPr kumimoji="1" lang="en-US" altLang="ja-JP" sz="1200" dirty="0" smtClean="0">
+                <a:solidFill>
+                  <a:schemeClr val="bg2">
+                    <a:lumMod val="10000"/>
+                  </a:schemeClr>
+                </a:solidFill>
+              </a:rPr>
+              <a:t>get-search-result</a:t>
+            </a:r>
+            <a:endParaRPr kumimoji="1" lang="ja-JP" altLang="en-US" sz="1200" dirty="0">
+              <a:solidFill>
+                <a:schemeClr val="bg2">
+                  <a:lumMod val="10000"/>
+                </a:schemeClr>
+              </a:solidFill>
+            </a:endParaRPr>
+          </a:p>
+        </p:txBody>
+      </p:sp>
+      <p:pic>
+        <p:nvPicPr>
+          <p:cNvPr id="50" name="Picture 4" descr="C:\Users\kunii\Desktop\20151222221539.jpg"/>
+          <p:cNvPicPr>
+            <a:picLocks noChangeAspect="1" noChangeArrowheads="1"/>
+          </p:cNvPicPr>
+          <p:nvPr/>
+        </p:nvPicPr>
+        <p:blipFill>
+          <a:blip r:embed="rId6" cstate="print">
+            <a:extLst>
+              <a:ext uri="{28A0092B-C50C-407E-A947-70E740481C1C}">
+                <a14:useLocalDpi xmlns:a14="http://schemas.microsoft.com/office/drawing/2010/main" val="0"/>
+              </a:ext>
+            </a:extLst>
+          </a:blip>
+          <a:srcRect/>
+          <a:stretch>
+            <a:fillRect/>
+          </a:stretch>
+        </p:blipFill>
+        <p:spPr bwMode="auto">
+          <a:xfrm>
+            <a:off x="1180846" y="3164745"/>
+            <a:ext cx="504323" cy="392363"/>
+          </a:xfrm>
+          <a:prstGeom prst="rect">
+            <a:avLst/>
+          </a:prstGeom>
+          <a:noFill/>
+          <a:extLst>
+            <a:ext uri="{909E8E84-426E-40DD-AFC4-6F175D3DCCD1}">
+              <a14:hiddenFill xmlns:a14="http://schemas.microsoft.com/office/drawing/2010/main">
+                <a:solidFill>
+                  <a:srgbClr val="FFFFFF"/>
+                </a:solidFill>
+              </a14:hiddenFill>
+            </a:ext>
+          </a:extLst>
+        </p:spPr>
+      </p:pic>
+      <p:sp>
+        <p:nvSpPr>
+          <p:cNvPr id="2" name="円/楕円 1"/>
+          <p:cNvSpPr/>
+          <p:nvPr/>
+        </p:nvSpPr>
+        <p:spPr>
+          <a:xfrm>
+            <a:off x="238356" y="3894063"/>
+            <a:ext cx="325753" cy="325753"/>
+          </a:xfrm>
+          <a:prstGeom prst="ellipse">
+            <a:avLst/>
+          </a:prstGeom>
+          <a:solidFill>
+            <a:srgbClr val="FF0000"/>
+          </a:solidFill>
+          <a:ln>
+            <a:noFill/>
+          </a:ln>
+        </p:spPr>
+        <p:style>
+          <a:lnRef idx="2">
+            <a:schemeClr val="accent1">
+              <a:shade val="50000"/>
+            </a:schemeClr>
+          </a:lnRef>
+          <a:fillRef idx="1">
+            <a:schemeClr val="accent1"/>
+          </a:fillRef>
+          <a:effectRef idx="0">
+            <a:schemeClr val="accent1"/>
+          </a:effectRef>
+          <a:fontRef idx="minor">
+            <a:schemeClr val="lt1"/>
+          </a:fontRef>
+        </p:style>
+        <p:txBody>
+          <a:bodyPr rtlCol="0" anchor="ctr"/>
+          <a:lstStyle/>
+          <a:p>
+            <a:pPr algn="ctr"/>
+            <a:r>
+              <a:rPr kumimoji="1" lang="en-US" altLang="ja-JP" dirty="0" smtClean="0">
+                <a:solidFill>
+                  <a:schemeClr val="bg1"/>
+                </a:solidFill>
+              </a:rPr>
+              <a:t>1</a:t>
+            </a:r>
+            <a:endParaRPr kumimoji="1" lang="ja-JP" altLang="en-US" dirty="0">
+              <a:solidFill>
+                <a:schemeClr val="bg1"/>
+              </a:solidFill>
+            </a:endParaRPr>
+          </a:p>
+        </p:txBody>
+      </p:sp>
+      <p:sp>
+        <p:nvSpPr>
+          <p:cNvPr id="80" name="テキスト ボックス 79"/>
+          <p:cNvSpPr txBox="1"/>
+          <p:nvPr/>
+        </p:nvSpPr>
+        <p:spPr>
+          <a:xfrm>
+            <a:off x="595862" y="3942313"/>
+            <a:ext cx="1303562" cy="253916"/>
+          </a:xfrm>
+          <a:prstGeom prst="rect">
+            <a:avLst/>
+          </a:prstGeom>
+          <a:noFill/>
+        </p:spPr>
+        <p:txBody>
+          <a:bodyPr wrap="none" rtlCol="0">
+            <a:spAutoFit/>
+          </a:bodyPr>
+          <a:lstStyle/>
+          <a:p>
+            <a:r>
+              <a:rPr kumimoji="1" lang="en-US" altLang="ja-JP" sz="1050" dirty="0" smtClean="0">
+                <a:latin typeface="メイリオ" panose="020B0604030504040204" pitchFamily="50" charset="-128"/>
+                <a:ea typeface="メイリオ" panose="020B0604030504040204" pitchFamily="50" charset="-128"/>
+              </a:rPr>
+              <a:t>Get search result</a:t>
+            </a:r>
+            <a:endParaRPr kumimoji="1" lang="ja-JP" altLang="en-US" sz="1050" dirty="0">
+              <a:latin typeface="メイリオ" panose="020B0604030504040204" pitchFamily="50" charset="-128"/>
+              <a:ea typeface="メイリオ" panose="020B0604030504040204" pitchFamily="50" charset="-128"/>
+            </a:endParaRPr>
+          </a:p>
+        </p:txBody>
+      </p:sp>
+      <p:cxnSp>
+        <p:nvCxnSpPr>
+          <p:cNvPr id="62" name="カギ線コネクタ 61"/>
+          <p:cNvCxnSpPr>
+            <a:endCxn id="46" idx="2"/>
+          </p:cNvCxnSpPr>
+          <p:nvPr/>
+        </p:nvCxnSpPr>
+        <p:spPr>
+          <a:xfrm rot="10800000">
+            <a:off x="2001092" y="3827881"/>
+            <a:ext cx="735761" cy="602299"/>
+          </a:xfrm>
+          <a:prstGeom prst="bentConnector2">
+            <a:avLst/>
+          </a:prstGeom>
+          <a:ln w="57150">
+            <a:solidFill>
+              <a:srgbClr val="FFC000"/>
+            </a:solidFill>
+            <a:tailEnd type="arrow"/>
+          </a:ln>
+        </p:spPr>
+        <p:style>
+          <a:lnRef idx="1">
+            <a:schemeClr val="accent1"/>
+          </a:lnRef>
+          <a:fillRef idx="0">
+            <a:schemeClr val="accent1"/>
+          </a:fillRef>
+          <a:effectRef idx="0">
+            <a:schemeClr val="accent1"/>
+          </a:effectRef>
+          <a:fontRef idx="minor">
+            <a:schemeClr val="tx1"/>
+          </a:fontRef>
+        </p:style>
+      </p:cxnSp>
     </p:spTree>
     <p:extLst>
       <p:ext uri="{BB962C8B-B14F-4D97-AF65-F5344CB8AC3E}">

--- a/summary.pptx
+++ b/summary.pptx
@@ -104,7 +104,27 @@
       </a:defRPr>
     </a:lvl9pPr>
   </p:defaultTextStyle>
+  <p:extLst>
+    <p:ext uri="{EFAFB233-063F-42B5-8137-9DF3F51BA10A}">
+      <p15:sldGuideLst xmlns:p15="http://schemas.microsoft.com/office/powerpoint/2012/main">
+        <p15:guide id="1" orient="horz" pos="2160">
+          <p15:clr>
+            <a:srgbClr val="A4A3A4"/>
+          </p15:clr>
+        </p15:guide>
+        <p15:guide id="2" pos="2880">
+          <p15:clr>
+            <a:srgbClr val="A4A3A4"/>
+          </p15:clr>
+        </p15:guide>
+      </p15:sldGuideLst>
+    </p:ext>
+  </p:extLst>
 </p:presentation>
+</file>
+
+<file path=ppt/revisionInfo.xml><?xml version="1.0" encoding="utf-8"?>
+<p1510:revInfo xmlns:a="http://schemas.openxmlformats.org/drawingml/2006/main" xmlns:r="http://schemas.openxmlformats.org/officeDocument/2006/relationships" xmlns:p1510="http://schemas.microsoft.com/office/powerpoint/2015/10/main"/>
 </file>
 
 <file path=ppt/slideLayouts/slideLayout1.xml><?xml version="1.0" encoding="utf-8"?>
@@ -145,10 +165,9 @@
           <a:lstStyle/>
           <a:p>
             <a:r>
-              <a:rPr kumimoji="1" lang="ja-JP" altLang="en-US" smtClean="0"/>
+              <a:rPr kumimoji="1" lang="ja-JP" altLang="en-US"/>
               <a:t>マスター タイトルの書式設定</a:t>
             </a:r>
-            <a:endParaRPr kumimoji="1" lang="ja-JP" altLang="en-US"/>
           </a:p>
         </p:txBody>
       </p:sp>
@@ -264,10 +283,9 @@
           </a:lstStyle>
           <a:p>
             <a:r>
-              <a:rPr kumimoji="1" lang="ja-JP" altLang="en-US" smtClean="0"/>
+              <a:rPr kumimoji="1" lang="ja-JP" altLang="en-US"/>
               <a:t>マスター サブタイトルの書式設定</a:t>
             </a:r>
-            <a:endParaRPr kumimoji="1" lang="ja-JP" altLang="en-US"/>
           </a:p>
         </p:txBody>
       </p:sp>
@@ -288,7 +306,7 @@
           <a:p>
             <a:fld id="{5A4526AC-7C8E-4382-A5C3-635A64199315}" type="datetimeFigureOut">
               <a:rPr kumimoji="1" lang="ja-JP" altLang="en-US" smtClean="0"/>
-              <a:t>2017/10/13</a:t>
+              <a:t>2017/10/15</a:t>
             </a:fld>
             <a:endParaRPr kumimoji="1" lang="ja-JP" altLang="en-US"/>
           </a:p>
@@ -382,10 +400,9 @@
           <a:lstStyle/>
           <a:p>
             <a:r>
-              <a:rPr kumimoji="1" lang="ja-JP" altLang="en-US" smtClean="0"/>
+              <a:rPr kumimoji="1" lang="ja-JP" altLang="en-US"/>
               <a:t>マスター タイトルの書式設定</a:t>
             </a:r>
-            <a:endParaRPr kumimoji="1" lang="ja-JP" altLang="en-US"/>
           </a:p>
         </p:txBody>
       </p:sp>
@@ -406,70 +423,69 @@
           <a:p>
             <a:pPr lvl="0"/>
             <a:r>
-              <a:rPr kumimoji="1" lang="ja-JP" altLang="en-US" smtClean="0"/>
+              <a:rPr kumimoji="1" lang="ja-JP" altLang="en-US"/>
               <a:t>マスター テキストの書式設定</a:t>
             </a:r>
           </a:p>
           <a:p>
             <a:pPr lvl="1"/>
             <a:r>
-              <a:rPr kumimoji="1" lang="ja-JP" altLang="en-US" smtClean="0"/>
+              <a:rPr kumimoji="1" lang="ja-JP" altLang="en-US"/>
               <a:t>第 </a:t>
             </a:r>
             <a:r>
-              <a:rPr kumimoji="1" lang="en-US" altLang="ja-JP" smtClean="0"/>
+              <a:rPr kumimoji="1" lang="en-US" altLang="ja-JP"/>
               <a:t>2 </a:t>
             </a:r>
             <a:r>
-              <a:rPr kumimoji="1" lang="ja-JP" altLang="en-US" smtClean="0"/>
+              <a:rPr kumimoji="1" lang="ja-JP" altLang="en-US"/>
               <a:t>レベル</a:t>
             </a:r>
           </a:p>
           <a:p>
             <a:pPr lvl="2"/>
             <a:r>
-              <a:rPr kumimoji="1" lang="ja-JP" altLang="en-US" smtClean="0"/>
+              <a:rPr kumimoji="1" lang="ja-JP" altLang="en-US"/>
               <a:t>第 </a:t>
             </a:r>
             <a:r>
-              <a:rPr kumimoji="1" lang="en-US" altLang="ja-JP" smtClean="0"/>
+              <a:rPr kumimoji="1" lang="en-US" altLang="ja-JP"/>
               <a:t>3 </a:t>
             </a:r>
             <a:r>
-              <a:rPr kumimoji="1" lang="ja-JP" altLang="en-US" smtClean="0"/>
+              <a:rPr kumimoji="1" lang="ja-JP" altLang="en-US"/>
               <a:t>レベル</a:t>
             </a:r>
           </a:p>
           <a:p>
             <a:pPr lvl="3"/>
             <a:r>
-              <a:rPr kumimoji="1" lang="ja-JP" altLang="en-US" smtClean="0"/>
+              <a:rPr kumimoji="1" lang="ja-JP" altLang="en-US"/>
               <a:t>第 </a:t>
             </a:r>
             <a:r>
-              <a:rPr kumimoji="1" lang="en-US" altLang="ja-JP" smtClean="0"/>
+              <a:rPr kumimoji="1" lang="en-US" altLang="ja-JP"/>
               <a:t>4 </a:t>
             </a:r>
             <a:r>
-              <a:rPr kumimoji="1" lang="ja-JP" altLang="en-US" smtClean="0"/>
+              <a:rPr kumimoji="1" lang="ja-JP" altLang="en-US"/>
               <a:t>レベル</a:t>
             </a:r>
           </a:p>
           <a:p>
             <a:pPr lvl="4"/>
             <a:r>
-              <a:rPr kumimoji="1" lang="ja-JP" altLang="en-US" smtClean="0"/>
+              <a:rPr kumimoji="1" lang="ja-JP" altLang="en-US"/>
               <a:t>第 </a:t>
             </a:r>
             <a:r>
-              <a:rPr kumimoji="1" lang="en-US" altLang="ja-JP" smtClean="0"/>
+              <a:rPr kumimoji="1" lang="en-US" altLang="ja-JP"/>
               <a:t>5 </a:t>
             </a:r>
             <a:r>
-              <a:rPr kumimoji="1" lang="ja-JP" altLang="en-US" smtClean="0"/>
+              <a:rPr kumimoji="1" lang="ja-JP" altLang="en-US"/>
               <a:t>レベル</a:t>
             </a:r>
-            <a:endParaRPr kumimoji="1" lang="ja-JP" altLang="en-US"/>
           </a:p>
         </p:txBody>
       </p:sp>
@@ -490,7 +506,7 @@
           <a:p>
             <a:fld id="{5A4526AC-7C8E-4382-A5C3-635A64199315}" type="datetimeFigureOut">
               <a:rPr kumimoji="1" lang="ja-JP" altLang="en-US" smtClean="0"/>
-              <a:t>2017/10/13</a:t>
+              <a:t>2017/10/15</a:t>
             </a:fld>
             <a:endParaRPr kumimoji="1" lang="ja-JP" altLang="en-US"/>
           </a:p>
@@ -589,10 +605,9 @@
           <a:lstStyle/>
           <a:p>
             <a:r>
-              <a:rPr kumimoji="1" lang="ja-JP" altLang="en-US" smtClean="0"/>
+              <a:rPr kumimoji="1" lang="ja-JP" altLang="en-US"/>
               <a:t>マスター タイトルの書式設定</a:t>
             </a:r>
-            <a:endParaRPr kumimoji="1" lang="ja-JP" altLang="en-US"/>
           </a:p>
         </p:txBody>
       </p:sp>
@@ -618,70 +633,69 @@
           <a:p>
             <a:pPr lvl="0"/>
             <a:r>
-              <a:rPr kumimoji="1" lang="ja-JP" altLang="en-US" smtClean="0"/>
+              <a:rPr kumimoji="1" lang="ja-JP" altLang="en-US"/>
               <a:t>マスター テキストの書式設定</a:t>
             </a:r>
           </a:p>
           <a:p>
             <a:pPr lvl="1"/>
             <a:r>
-              <a:rPr kumimoji="1" lang="ja-JP" altLang="en-US" smtClean="0"/>
+              <a:rPr kumimoji="1" lang="ja-JP" altLang="en-US"/>
               <a:t>第 </a:t>
             </a:r>
             <a:r>
-              <a:rPr kumimoji="1" lang="en-US" altLang="ja-JP" smtClean="0"/>
+              <a:rPr kumimoji="1" lang="en-US" altLang="ja-JP"/>
               <a:t>2 </a:t>
             </a:r>
             <a:r>
-              <a:rPr kumimoji="1" lang="ja-JP" altLang="en-US" smtClean="0"/>
+              <a:rPr kumimoji="1" lang="ja-JP" altLang="en-US"/>
               <a:t>レベル</a:t>
             </a:r>
           </a:p>
           <a:p>
             <a:pPr lvl="2"/>
             <a:r>
-              <a:rPr kumimoji="1" lang="ja-JP" altLang="en-US" smtClean="0"/>
+              <a:rPr kumimoji="1" lang="ja-JP" altLang="en-US"/>
               <a:t>第 </a:t>
             </a:r>
             <a:r>
-              <a:rPr kumimoji="1" lang="en-US" altLang="ja-JP" smtClean="0"/>
+              <a:rPr kumimoji="1" lang="en-US" altLang="ja-JP"/>
               <a:t>3 </a:t>
             </a:r>
             <a:r>
-              <a:rPr kumimoji="1" lang="ja-JP" altLang="en-US" smtClean="0"/>
+              <a:rPr kumimoji="1" lang="ja-JP" altLang="en-US"/>
               <a:t>レベル</a:t>
             </a:r>
           </a:p>
           <a:p>
             <a:pPr lvl="3"/>
             <a:r>
-              <a:rPr kumimoji="1" lang="ja-JP" altLang="en-US" smtClean="0"/>
+              <a:rPr kumimoji="1" lang="ja-JP" altLang="en-US"/>
               <a:t>第 </a:t>
             </a:r>
             <a:r>
-              <a:rPr kumimoji="1" lang="en-US" altLang="ja-JP" smtClean="0"/>
+              <a:rPr kumimoji="1" lang="en-US" altLang="ja-JP"/>
               <a:t>4 </a:t>
             </a:r>
             <a:r>
-              <a:rPr kumimoji="1" lang="ja-JP" altLang="en-US" smtClean="0"/>
+              <a:rPr kumimoji="1" lang="ja-JP" altLang="en-US"/>
               <a:t>レベル</a:t>
             </a:r>
           </a:p>
           <a:p>
             <a:pPr lvl="4"/>
             <a:r>
-              <a:rPr kumimoji="1" lang="ja-JP" altLang="en-US" smtClean="0"/>
+              <a:rPr kumimoji="1" lang="ja-JP" altLang="en-US"/>
               <a:t>第 </a:t>
             </a:r>
             <a:r>
-              <a:rPr kumimoji="1" lang="en-US" altLang="ja-JP" smtClean="0"/>
+              <a:rPr kumimoji="1" lang="en-US" altLang="ja-JP"/>
               <a:t>5 </a:t>
             </a:r>
             <a:r>
-              <a:rPr kumimoji="1" lang="ja-JP" altLang="en-US" smtClean="0"/>
+              <a:rPr kumimoji="1" lang="ja-JP" altLang="en-US"/>
               <a:t>レベル</a:t>
             </a:r>
-            <a:endParaRPr kumimoji="1" lang="ja-JP" altLang="en-US"/>
           </a:p>
         </p:txBody>
       </p:sp>
@@ -702,7 +716,7 @@
           <a:p>
             <a:fld id="{5A4526AC-7C8E-4382-A5C3-635A64199315}" type="datetimeFigureOut">
               <a:rPr kumimoji="1" lang="ja-JP" altLang="en-US" smtClean="0"/>
-              <a:t>2017/10/13</a:t>
+              <a:t>2017/10/15</a:t>
             </a:fld>
             <a:endParaRPr kumimoji="1" lang="ja-JP" altLang="en-US"/>
           </a:p>
@@ -796,10 +810,9 @@
           <a:lstStyle/>
           <a:p>
             <a:r>
-              <a:rPr kumimoji="1" lang="ja-JP" altLang="en-US" smtClean="0"/>
+              <a:rPr kumimoji="1" lang="ja-JP" altLang="en-US"/>
               <a:t>マスター タイトルの書式設定</a:t>
             </a:r>
-            <a:endParaRPr kumimoji="1" lang="ja-JP" altLang="en-US"/>
           </a:p>
         </p:txBody>
       </p:sp>
@@ -820,70 +833,69 @@
           <a:p>
             <a:pPr lvl="0"/>
             <a:r>
-              <a:rPr kumimoji="1" lang="ja-JP" altLang="en-US" smtClean="0"/>
+              <a:rPr kumimoji="1" lang="ja-JP" altLang="en-US"/>
               <a:t>マスター テキストの書式設定</a:t>
             </a:r>
           </a:p>
           <a:p>
             <a:pPr lvl="1"/>
             <a:r>
-              <a:rPr kumimoji="1" lang="ja-JP" altLang="en-US" smtClean="0"/>
+              <a:rPr kumimoji="1" lang="ja-JP" altLang="en-US"/>
               <a:t>第 </a:t>
             </a:r>
             <a:r>
-              <a:rPr kumimoji="1" lang="en-US" altLang="ja-JP" smtClean="0"/>
+              <a:rPr kumimoji="1" lang="en-US" altLang="ja-JP"/>
               <a:t>2 </a:t>
             </a:r>
             <a:r>
-              <a:rPr kumimoji="1" lang="ja-JP" altLang="en-US" smtClean="0"/>
+              <a:rPr kumimoji="1" lang="ja-JP" altLang="en-US"/>
               <a:t>レベル</a:t>
             </a:r>
           </a:p>
           <a:p>
             <a:pPr lvl="2"/>
             <a:r>
-              <a:rPr kumimoji="1" lang="ja-JP" altLang="en-US" smtClean="0"/>
+              <a:rPr kumimoji="1" lang="ja-JP" altLang="en-US"/>
               <a:t>第 </a:t>
             </a:r>
             <a:r>
-              <a:rPr kumimoji="1" lang="en-US" altLang="ja-JP" smtClean="0"/>
+              <a:rPr kumimoji="1" lang="en-US" altLang="ja-JP"/>
               <a:t>3 </a:t>
             </a:r>
             <a:r>
-              <a:rPr kumimoji="1" lang="ja-JP" altLang="en-US" smtClean="0"/>
+              <a:rPr kumimoji="1" lang="ja-JP" altLang="en-US"/>
               <a:t>レベル</a:t>
             </a:r>
           </a:p>
           <a:p>
             <a:pPr lvl="3"/>
             <a:r>
-              <a:rPr kumimoji="1" lang="ja-JP" altLang="en-US" smtClean="0"/>
+              <a:rPr kumimoji="1" lang="ja-JP" altLang="en-US"/>
               <a:t>第 </a:t>
             </a:r>
             <a:r>
-              <a:rPr kumimoji="1" lang="en-US" altLang="ja-JP" smtClean="0"/>
+              <a:rPr kumimoji="1" lang="en-US" altLang="ja-JP"/>
               <a:t>4 </a:t>
             </a:r>
             <a:r>
-              <a:rPr kumimoji="1" lang="ja-JP" altLang="en-US" smtClean="0"/>
+              <a:rPr kumimoji="1" lang="ja-JP" altLang="en-US"/>
               <a:t>レベル</a:t>
             </a:r>
           </a:p>
           <a:p>
             <a:pPr lvl="4"/>
             <a:r>
-              <a:rPr kumimoji="1" lang="ja-JP" altLang="en-US" smtClean="0"/>
+              <a:rPr kumimoji="1" lang="ja-JP" altLang="en-US"/>
               <a:t>第 </a:t>
             </a:r>
             <a:r>
-              <a:rPr kumimoji="1" lang="en-US" altLang="ja-JP" smtClean="0"/>
+              <a:rPr kumimoji="1" lang="en-US" altLang="ja-JP"/>
               <a:t>5 </a:t>
             </a:r>
             <a:r>
-              <a:rPr kumimoji="1" lang="ja-JP" altLang="en-US" smtClean="0"/>
+              <a:rPr kumimoji="1" lang="ja-JP" altLang="en-US"/>
               <a:t>レベル</a:t>
             </a:r>
-            <a:endParaRPr kumimoji="1" lang="ja-JP" altLang="en-US"/>
           </a:p>
         </p:txBody>
       </p:sp>
@@ -904,7 +916,7 @@
           <a:p>
             <a:fld id="{5A4526AC-7C8E-4382-A5C3-635A64199315}" type="datetimeFigureOut">
               <a:rPr kumimoji="1" lang="ja-JP" altLang="en-US" smtClean="0"/>
-              <a:t>2017/10/13</a:t>
+              <a:t>2017/10/15</a:t>
             </a:fld>
             <a:endParaRPr kumimoji="1" lang="ja-JP" altLang="en-US"/>
           </a:p>
@@ -1007,10 +1019,9 @@
           </a:lstStyle>
           <a:p>
             <a:r>
-              <a:rPr kumimoji="1" lang="ja-JP" altLang="en-US" smtClean="0"/>
+              <a:rPr kumimoji="1" lang="ja-JP" altLang="en-US"/>
               <a:t>マスター タイトルの書式設定</a:t>
             </a:r>
-            <a:endParaRPr kumimoji="1" lang="ja-JP" altLang="en-US"/>
           </a:p>
         </p:txBody>
       </p:sp>
@@ -1127,7 +1138,7 @@
           <a:p>
             <a:pPr lvl="0"/>
             <a:r>
-              <a:rPr kumimoji="1" lang="ja-JP" altLang="en-US" smtClean="0"/>
+              <a:rPr kumimoji="1" lang="ja-JP" altLang="en-US"/>
               <a:t>マスター テキストの書式設定</a:t>
             </a:r>
           </a:p>
@@ -1150,7 +1161,7 @@
           <a:p>
             <a:fld id="{5A4526AC-7C8E-4382-A5C3-635A64199315}" type="datetimeFigureOut">
               <a:rPr kumimoji="1" lang="ja-JP" altLang="en-US" smtClean="0"/>
-              <a:t>2017/10/13</a:t>
+              <a:t>2017/10/15</a:t>
             </a:fld>
             <a:endParaRPr kumimoji="1" lang="ja-JP" altLang="en-US"/>
           </a:p>
@@ -1244,10 +1255,9 @@
           <a:lstStyle/>
           <a:p>
             <a:r>
-              <a:rPr kumimoji="1" lang="ja-JP" altLang="en-US" smtClean="0"/>
+              <a:rPr kumimoji="1" lang="ja-JP" altLang="en-US"/>
               <a:t>マスター タイトルの書式設定</a:t>
             </a:r>
-            <a:endParaRPr kumimoji="1" lang="ja-JP" altLang="en-US"/>
           </a:p>
         </p:txBody>
       </p:sp>
@@ -1301,70 +1311,69 @@
           <a:p>
             <a:pPr lvl="0"/>
             <a:r>
-              <a:rPr kumimoji="1" lang="ja-JP" altLang="en-US" smtClean="0"/>
+              <a:rPr kumimoji="1" lang="ja-JP" altLang="en-US"/>
               <a:t>マスター テキストの書式設定</a:t>
             </a:r>
           </a:p>
           <a:p>
             <a:pPr lvl="1"/>
             <a:r>
-              <a:rPr kumimoji="1" lang="ja-JP" altLang="en-US" smtClean="0"/>
+              <a:rPr kumimoji="1" lang="ja-JP" altLang="en-US"/>
               <a:t>第 </a:t>
             </a:r>
             <a:r>
-              <a:rPr kumimoji="1" lang="en-US" altLang="ja-JP" smtClean="0"/>
+              <a:rPr kumimoji="1" lang="en-US" altLang="ja-JP"/>
               <a:t>2 </a:t>
             </a:r>
             <a:r>
-              <a:rPr kumimoji="1" lang="ja-JP" altLang="en-US" smtClean="0"/>
+              <a:rPr kumimoji="1" lang="ja-JP" altLang="en-US"/>
               <a:t>レベル</a:t>
             </a:r>
           </a:p>
           <a:p>
             <a:pPr lvl="2"/>
             <a:r>
-              <a:rPr kumimoji="1" lang="ja-JP" altLang="en-US" smtClean="0"/>
+              <a:rPr kumimoji="1" lang="ja-JP" altLang="en-US"/>
               <a:t>第 </a:t>
             </a:r>
             <a:r>
-              <a:rPr kumimoji="1" lang="en-US" altLang="ja-JP" smtClean="0"/>
+              <a:rPr kumimoji="1" lang="en-US" altLang="ja-JP"/>
               <a:t>3 </a:t>
             </a:r>
             <a:r>
-              <a:rPr kumimoji="1" lang="ja-JP" altLang="en-US" smtClean="0"/>
+              <a:rPr kumimoji="1" lang="ja-JP" altLang="en-US"/>
               <a:t>レベル</a:t>
             </a:r>
           </a:p>
           <a:p>
             <a:pPr lvl="3"/>
             <a:r>
-              <a:rPr kumimoji="1" lang="ja-JP" altLang="en-US" smtClean="0"/>
+              <a:rPr kumimoji="1" lang="ja-JP" altLang="en-US"/>
               <a:t>第 </a:t>
             </a:r>
             <a:r>
-              <a:rPr kumimoji="1" lang="en-US" altLang="ja-JP" smtClean="0"/>
+              <a:rPr kumimoji="1" lang="en-US" altLang="ja-JP"/>
               <a:t>4 </a:t>
             </a:r>
             <a:r>
-              <a:rPr kumimoji="1" lang="ja-JP" altLang="en-US" smtClean="0"/>
+              <a:rPr kumimoji="1" lang="ja-JP" altLang="en-US"/>
               <a:t>レベル</a:t>
             </a:r>
           </a:p>
           <a:p>
             <a:pPr lvl="4"/>
             <a:r>
-              <a:rPr kumimoji="1" lang="ja-JP" altLang="en-US" smtClean="0"/>
+              <a:rPr kumimoji="1" lang="ja-JP" altLang="en-US"/>
               <a:t>第 </a:t>
             </a:r>
             <a:r>
-              <a:rPr kumimoji="1" lang="en-US" altLang="ja-JP" smtClean="0"/>
+              <a:rPr kumimoji="1" lang="en-US" altLang="ja-JP"/>
               <a:t>5 </a:t>
             </a:r>
             <a:r>
-              <a:rPr kumimoji="1" lang="ja-JP" altLang="en-US" smtClean="0"/>
+              <a:rPr kumimoji="1" lang="ja-JP" altLang="en-US"/>
               <a:t>レベル</a:t>
             </a:r>
-            <a:endParaRPr kumimoji="1" lang="ja-JP" altLang="en-US"/>
           </a:p>
         </p:txBody>
       </p:sp>
@@ -1418,70 +1427,69 @@
           <a:p>
             <a:pPr lvl="0"/>
             <a:r>
-              <a:rPr kumimoji="1" lang="ja-JP" altLang="en-US" smtClean="0"/>
+              <a:rPr kumimoji="1" lang="ja-JP" altLang="en-US"/>
               <a:t>マスター テキストの書式設定</a:t>
             </a:r>
           </a:p>
           <a:p>
             <a:pPr lvl="1"/>
             <a:r>
-              <a:rPr kumimoji="1" lang="ja-JP" altLang="en-US" smtClean="0"/>
+              <a:rPr kumimoji="1" lang="ja-JP" altLang="en-US"/>
               <a:t>第 </a:t>
             </a:r>
             <a:r>
-              <a:rPr kumimoji="1" lang="en-US" altLang="ja-JP" smtClean="0"/>
+              <a:rPr kumimoji="1" lang="en-US" altLang="ja-JP"/>
               <a:t>2 </a:t>
             </a:r>
             <a:r>
-              <a:rPr kumimoji="1" lang="ja-JP" altLang="en-US" smtClean="0"/>
+              <a:rPr kumimoji="1" lang="ja-JP" altLang="en-US"/>
               <a:t>レベル</a:t>
             </a:r>
           </a:p>
           <a:p>
             <a:pPr lvl="2"/>
             <a:r>
-              <a:rPr kumimoji="1" lang="ja-JP" altLang="en-US" smtClean="0"/>
+              <a:rPr kumimoji="1" lang="ja-JP" altLang="en-US"/>
               <a:t>第 </a:t>
             </a:r>
             <a:r>
-              <a:rPr kumimoji="1" lang="en-US" altLang="ja-JP" smtClean="0"/>
+              <a:rPr kumimoji="1" lang="en-US" altLang="ja-JP"/>
               <a:t>3 </a:t>
             </a:r>
             <a:r>
-              <a:rPr kumimoji="1" lang="ja-JP" altLang="en-US" smtClean="0"/>
+              <a:rPr kumimoji="1" lang="ja-JP" altLang="en-US"/>
               <a:t>レベル</a:t>
             </a:r>
           </a:p>
           <a:p>
             <a:pPr lvl="3"/>
             <a:r>
-              <a:rPr kumimoji="1" lang="ja-JP" altLang="en-US" smtClean="0"/>
+              <a:rPr kumimoji="1" lang="ja-JP" altLang="en-US"/>
               <a:t>第 </a:t>
             </a:r>
             <a:r>
-              <a:rPr kumimoji="1" lang="en-US" altLang="ja-JP" smtClean="0"/>
+              <a:rPr kumimoji="1" lang="en-US" altLang="ja-JP"/>
               <a:t>4 </a:t>
             </a:r>
             <a:r>
-              <a:rPr kumimoji="1" lang="ja-JP" altLang="en-US" smtClean="0"/>
+              <a:rPr kumimoji="1" lang="ja-JP" altLang="en-US"/>
               <a:t>レベル</a:t>
             </a:r>
           </a:p>
           <a:p>
             <a:pPr lvl="4"/>
             <a:r>
-              <a:rPr kumimoji="1" lang="ja-JP" altLang="en-US" smtClean="0"/>
+              <a:rPr kumimoji="1" lang="ja-JP" altLang="en-US"/>
               <a:t>第 </a:t>
             </a:r>
             <a:r>
-              <a:rPr kumimoji="1" lang="en-US" altLang="ja-JP" smtClean="0"/>
+              <a:rPr kumimoji="1" lang="en-US" altLang="ja-JP"/>
               <a:t>5 </a:t>
             </a:r>
             <a:r>
-              <a:rPr kumimoji="1" lang="ja-JP" altLang="en-US" smtClean="0"/>
+              <a:rPr kumimoji="1" lang="ja-JP" altLang="en-US"/>
               <a:t>レベル</a:t>
             </a:r>
-            <a:endParaRPr kumimoji="1" lang="ja-JP" altLang="en-US"/>
           </a:p>
         </p:txBody>
       </p:sp>
@@ -1502,7 +1510,7 @@
           <a:p>
             <a:fld id="{5A4526AC-7C8E-4382-A5C3-635A64199315}" type="datetimeFigureOut">
               <a:rPr kumimoji="1" lang="ja-JP" altLang="en-US" smtClean="0"/>
-              <a:t>2017/10/13</a:t>
+              <a:t>2017/10/15</a:t>
             </a:fld>
             <a:endParaRPr kumimoji="1" lang="ja-JP" altLang="en-US"/>
           </a:p>
@@ -1600,10 +1608,9 @@
           </a:lstStyle>
           <a:p>
             <a:r>
-              <a:rPr kumimoji="1" lang="ja-JP" altLang="en-US" smtClean="0"/>
+              <a:rPr kumimoji="1" lang="ja-JP" altLang="en-US"/>
               <a:t>マスター タイトルの書式設定</a:t>
             </a:r>
-            <a:endParaRPr kumimoji="1" lang="ja-JP" altLang="en-US"/>
           </a:p>
         </p:txBody>
       </p:sp>
@@ -1666,7 +1673,7 @@
           <a:p>
             <a:pPr lvl="0"/>
             <a:r>
-              <a:rPr kumimoji="1" lang="ja-JP" altLang="en-US" smtClean="0"/>
+              <a:rPr kumimoji="1" lang="ja-JP" altLang="en-US"/>
               <a:t>マスター テキストの書式設定</a:t>
             </a:r>
           </a:p>
@@ -1722,70 +1729,69 @@
           <a:p>
             <a:pPr lvl="0"/>
             <a:r>
-              <a:rPr kumimoji="1" lang="ja-JP" altLang="en-US" smtClean="0"/>
+              <a:rPr kumimoji="1" lang="ja-JP" altLang="en-US"/>
               <a:t>マスター テキストの書式設定</a:t>
             </a:r>
           </a:p>
           <a:p>
             <a:pPr lvl="1"/>
             <a:r>
-              <a:rPr kumimoji="1" lang="ja-JP" altLang="en-US" smtClean="0"/>
+              <a:rPr kumimoji="1" lang="ja-JP" altLang="en-US"/>
               <a:t>第 </a:t>
             </a:r>
             <a:r>
-              <a:rPr kumimoji="1" lang="en-US" altLang="ja-JP" smtClean="0"/>
+              <a:rPr kumimoji="1" lang="en-US" altLang="ja-JP"/>
               <a:t>2 </a:t>
             </a:r>
             <a:r>
-              <a:rPr kumimoji="1" lang="ja-JP" altLang="en-US" smtClean="0"/>
+              <a:rPr kumimoji="1" lang="ja-JP" altLang="en-US"/>
               <a:t>レベル</a:t>
             </a:r>
           </a:p>
           <a:p>
             <a:pPr lvl="2"/>
             <a:r>
-              <a:rPr kumimoji="1" lang="ja-JP" altLang="en-US" smtClean="0"/>
+              <a:rPr kumimoji="1" lang="ja-JP" altLang="en-US"/>
               <a:t>第 </a:t>
             </a:r>
             <a:r>
-              <a:rPr kumimoji="1" lang="en-US" altLang="ja-JP" smtClean="0"/>
+              <a:rPr kumimoji="1" lang="en-US" altLang="ja-JP"/>
               <a:t>3 </a:t>
             </a:r>
             <a:r>
-              <a:rPr kumimoji="1" lang="ja-JP" altLang="en-US" smtClean="0"/>
+              <a:rPr kumimoji="1" lang="ja-JP" altLang="en-US"/>
               <a:t>レベル</a:t>
             </a:r>
           </a:p>
           <a:p>
             <a:pPr lvl="3"/>
             <a:r>
-              <a:rPr kumimoji="1" lang="ja-JP" altLang="en-US" smtClean="0"/>
+              <a:rPr kumimoji="1" lang="ja-JP" altLang="en-US"/>
               <a:t>第 </a:t>
             </a:r>
             <a:r>
-              <a:rPr kumimoji="1" lang="en-US" altLang="ja-JP" smtClean="0"/>
+              <a:rPr kumimoji="1" lang="en-US" altLang="ja-JP"/>
               <a:t>4 </a:t>
             </a:r>
             <a:r>
-              <a:rPr kumimoji="1" lang="ja-JP" altLang="en-US" smtClean="0"/>
+              <a:rPr kumimoji="1" lang="ja-JP" altLang="en-US"/>
               <a:t>レベル</a:t>
             </a:r>
           </a:p>
           <a:p>
             <a:pPr lvl="4"/>
             <a:r>
-              <a:rPr kumimoji="1" lang="ja-JP" altLang="en-US" smtClean="0"/>
+              <a:rPr kumimoji="1" lang="ja-JP" altLang="en-US"/>
               <a:t>第 </a:t>
             </a:r>
             <a:r>
-              <a:rPr kumimoji="1" lang="en-US" altLang="ja-JP" smtClean="0"/>
+              <a:rPr kumimoji="1" lang="en-US" altLang="ja-JP"/>
               <a:t>5 </a:t>
             </a:r>
             <a:r>
-              <a:rPr kumimoji="1" lang="ja-JP" altLang="en-US" smtClean="0"/>
+              <a:rPr kumimoji="1" lang="ja-JP" altLang="en-US"/>
               <a:t>レベル</a:t>
             </a:r>
-            <a:endParaRPr kumimoji="1" lang="ja-JP" altLang="en-US"/>
           </a:p>
         </p:txBody>
       </p:sp>
@@ -1848,7 +1854,7 @@
           <a:p>
             <a:pPr lvl="0"/>
             <a:r>
-              <a:rPr kumimoji="1" lang="ja-JP" altLang="en-US" smtClean="0"/>
+              <a:rPr kumimoji="1" lang="ja-JP" altLang="en-US"/>
               <a:t>マスター テキストの書式設定</a:t>
             </a:r>
           </a:p>
@@ -1904,70 +1910,69 @@
           <a:p>
             <a:pPr lvl="0"/>
             <a:r>
-              <a:rPr kumimoji="1" lang="ja-JP" altLang="en-US" smtClean="0"/>
+              <a:rPr kumimoji="1" lang="ja-JP" altLang="en-US"/>
               <a:t>マスター テキストの書式設定</a:t>
             </a:r>
           </a:p>
           <a:p>
             <a:pPr lvl="1"/>
             <a:r>
-              <a:rPr kumimoji="1" lang="ja-JP" altLang="en-US" smtClean="0"/>
+              <a:rPr kumimoji="1" lang="ja-JP" altLang="en-US"/>
               <a:t>第 </a:t>
             </a:r>
             <a:r>
-              <a:rPr kumimoji="1" lang="en-US" altLang="ja-JP" smtClean="0"/>
+              <a:rPr kumimoji="1" lang="en-US" altLang="ja-JP"/>
               <a:t>2 </a:t>
             </a:r>
             <a:r>
-              <a:rPr kumimoji="1" lang="ja-JP" altLang="en-US" smtClean="0"/>
+              <a:rPr kumimoji="1" lang="ja-JP" altLang="en-US"/>
               <a:t>レベル</a:t>
             </a:r>
           </a:p>
           <a:p>
             <a:pPr lvl="2"/>
             <a:r>
-              <a:rPr kumimoji="1" lang="ja-JP" altLang="en-US" smtClean="0"/>
+              <a:rPr kumimoji="1" lang="ja-JP" altLang="en-US"/>
               <a:t>第 </a:t>
             </a:r>
             <a:r>
-              <a:rPr kumimoji="1" lang="en-US" altLang="ja-JP" smtClean="0"/>
+              <a:rPr kumimoji="1" lang="en-US" altLang="ja-JP"/>
               <a:t>3 </a:t>
             </a:r>
             <a:r>
-              <a:rPr kumimoji="1" lang="ja-JP" altLang="en-US" smtClean="0"/>
+              <a:rPr kumimoji="1" lang="ja-JP" altLang="en-US"/>
               <a:t>レベル</a:t>
             </a:r>
           </a:p>
           <a:p>
             <a:pPr lvl="3"/>
             <a:r>
-              <a:rPr kumimoji="1" lang="ja-JP" altLang="en-US" smtClean="0"/>
+              <a:rPr kumimoji="1" lang="ja-JP" altLang="en-US"/>
               <a:t>第 </a:t>
             </a:r>
             <a:r>
-              <a:rPr kumimoji="1" lang="en-US" altLang="ja-JP" smtClean="0"/>
+              <a:rPr kumimoji="1" lang="en-US" altLang="ja-JP"/>
               <a:t>4 </a:t>
             </a:r>
             <a:r>
-              <a:rPr kumimoji="1" lang="ja-JP" altLang="en-US" smtClean="0"/>
+              <a:rPr kumimoji="1" lang="ja-JP" altLang="en-US"/>
               <a:t>レベル</a:t>
             </a:r>
           </a:p>
           <a:p>
             <a:pPr lvl="4"/>
             <a:r>
-              <a:rPr kumimoji="1" lang="ja-JP" altLang="en-US" smtClean="0"/>
+              <a:rPr kumimoji="1" lang="ja-JP" altLang="en-US"/>
               <a:t>第 </a:t>
             </a:r>
             <a:r>
-              <a:rPr kumimoji="1" lang="en-US" altLang="ja-JP" smtClean="0"/>
+              <a:rPr kumimoji="1" lang="en-US" altLang="ja-JP"/>
               <a:t>5 </a:t>
             </a:r>
             <a:r>
-              <a:rPr kumimoji="1" lang="ja-JP" altLang="en-US" smtClean="0"/>
+              <a:rPr kumimoji="1" lang="ja-JP" altLang="en-US"/>
               <a:t>レベル</a:t>
             </a:r>
-            <a:endParaRPr kumimoji="1" lang="ja-JP" altLang="en-US"/>
           </a:p>
         </p:txBody>
       </p:sp>
@@ -1988,7 +1993,7 @@
           <a:p>
             <a:fld id="{5A4526AC-7C8E-4382-A5C3-635A64199315}" type="datetimeFigureOut">
               <a:rPr kumimoji="1" lang="ja-JP" altLang="en-US" smtClean="0"/>
-              <a:t>2017/10/13</a:t>
+              <a:t>2017/10/15</a:t>
             </a:fld>
             <a:endParaRPr kumimoji="1" lang="ja-JP" altLang="en-US"/>
           </a:p>
@@ -2082,10 +2087,9 @@
           <a:lstStyle/>
           <a:p>
             <a:r>
-              <a:rPr kumimoji="1" lang="ja-JP" altLang="en-US" smtClean="0"/>
+              <a:rPr kumimoji="1" lang="ja-JP" altLang="en-US"/>
               <a:t>マスター タイトルの書式設定</a:t>
             </a:r>
-            <a:endParaRPr kumimoji="1" lang="ja-JP" altLang="en-US"/>
           </a:p>
         </p:txBody>
       </p:sp>
@@ -2106,7 +2110,7 @@
           <a:p>
             <a:fld id="{5A4526AC-7C8E-4382-A5C3-635A64199315}" type="datetimeFigureOut">
               <a:rPr kumimoji="1" lang="ja-JP" altLang="en-US" smtClean="0"/>
-              <a:t>2017/10/13</a:t>
+              <a:t>2017/10/15</a:t>
             </a:fld>
             <a:endParaRPr kumimoji="1" lang="ja-JP" altLang="en-US"/>
           </a:p>
@@ -2201,7 +2205,7 @@
           <a:p>
             <a:fld id="{5A4526AC-7C8E-4382-A5C3-635A64199315}" type="datetimeFigureOut">
               <a:rPr kumimoji="1" lang="ja-JP" altLang="en-US" smtClean="0"/>
-              <a:t>2017/10/13</a:t>
+              <a:t>2017/10/15</a:t>
             </a:fld>
             <a:endParaRPr kumimoji="1" lang="ja-JP" altLang="en-US"/>
           </a:p>
@@ -2304,10 +2308,9 @@
           </a:lstStyle>
           <a:p>
             <a:r>
-              <a:rPr kumimoji="1" lang="ja-JP" altLang="en-US" smtClean="0"/>
+              <a:rPr kumimoji="1" lang="ja-JP" altLang="en-US"/>
               <a:t>マスター タイトルの書式設定</a:t>
             </a:r>
-            <a:endParaRPr kumimoji="1" lang="ja-JP" altLang="en-US"/>
           </a:p>
         </p:txBody>
       </p:sp>
@@ -2361,70 +2364,69 @@
           <a:p>
             <a:pPr lvl="0"/>
             <a:r>
-              <a:rPr kumimoji="1" lang="ja-JP" altLang="en-US" smtClean="0"/>
+              <a:rPr kumimoji="1" lang="ja-JP" altLang="en-US"/>
               <a:t>マスター テキストの書式設定</a:t>
             </a:r>
           </a:p>
           <a:p>
             <a:pPr lvl="1"/>
             <a:r>
-              <a:rPr kumimoji="1" lang="ja-JP" altLang="en-US" smtClean="0"/>
+              <a:rPr kumimoji="1" lang="ja-JP" altLang="en-US"/>
               <a:t>第 </a:t>
             </a:r>
             <a:r>
-              <a:rPr kumimoji="1" lang="en-US" altLang="ja-JP" smtClean="0"/>
+              <a:rPr kumimoji="1" lang="en-US" altLang="ja-JP"/>
               <a:t>2 </a:t>
             </a:r>
             <a:r>
-              <a:rPr kumimoji="1" lang="ja-JP" altLang="en-US" smtClean="0"/>
+              <a:rPr kumimoji="1" lang="ja-JP" altLang="en-US"/>
               <a:t>レベル</a:t>
             </a:r>
           </a:p>
           <a:p>
             <a:pPr lvl="2"/>
             <a:r>
-              <a:rPr kumimoji="1" lang="ja-JP" altLang="en-US" smtClean="0"/>
+              <a:rPr kumimoji="1" lang="ja-JP" altLang="en-US"/>
               <a:t>第 </a:t>
             </a:r>
             <a:r>
-              <a:rPr kumimoji="1" lang="en-US" altLang="ja-JP" smtClean="0"/>
+              <a:rPr kumimoji="1" lang="en-US" altLang="ja-JP"/>
               <a:t>3 </a:t>
             </a:r>
             <a:r>
-              <a:rPr kumimoji="1" lang="ja-JP" altLang="en-US" smtClean="0"/>
+              <a:rPr kumimoji="1" lang="ja-JP" altLang="en-US"/>
               <a:t>レベル</a:t>
             </a:r>
           </a:p>
           <a:p>
             <a:pPr lvl="3"/>
             <a:r>
-              <a:rPr kumimoji="1" lang="ja-JP" altLang="en-US" smtClean="0"/>
+              <a:rPr kumimoji="1" lang="ja-JP" altLang="en-US"/>
               <a:t>第 </a:t>
             </a:r>
             <a:r>
-              <a:rPr kumimoji="1" lang="en-US" altLang="ja-JP" smtClean="0"/>
+              <a:rPr kumimoji="1" lang="en-US" altLang="ja-JP"/>
               <a:t>4 </a:t>
             </a:r>
             <a:r>
-              <a:rPr kumimoji="1" lang="ja-JP" altLang="en-US" smtClean="0"/>
+              <a:rPr kumimoji="1" lang="ja-JP" altLang="en-US"/>
               <a:t>レベル</a:t>
             </a:r>
           </a:p>
           <a:p>
             <a:pPr lvl="4"/>
             <a:r>
-              <a:rPr kumimoji="1" lang="ja-JP" altLang="en-US" smtClean="0"/>
+              <a:rPr kumimoji="1" lang="ja-JP" altLang="en-US"/>
               <a:t>第 </a:t>
             </a:r>
             <a:r>
-              <a:rPr kumimoji="1" lang="en-US" altLang="ja-JP" smtClean="0"/>
+              <a:rPr kumimoji="1" lang="en-US" altLang="ja-JP"/>
               <a:t>5 </a:t>
             </a:r>
             <a:r>
-              <a:rPr kumimoji="1" lang="ja-JP" altLang="en-US" smtClean="0"/>
+              <a:rPr kumimoji="1" lang="ja-JP" altLang="en-US"/>
               <a:t>レベル</a:t>
             </a:r>
-            <a:endParaRPr kumimoji="1" lang="ja-JP" altLang="en-US"/>
           </a:p>
         </p:txBody>
       </p:sp>
@@ -2487,7 +2489,7 @@
           <a:p>
             <a:pPr lvl="0"/>
             <a:r>
-              <a:rPr kumimoji="1" lang="ja-JP" altLang="en-US" smtClean="0"/>
+              <a:rPr kumimoji="1" lang="ja-JP" altLang="en-US"/>
               <a:t>マスター テキストの書式設定</a:t>
             </a:r>
           </a:p>
@@ -2510,7 +2512,7 @@
           <a:p>
             <a:fld id="{5A4526AC-7C8E-4382-A5C3-635A64199315}" type="datetimeFigureOut">
               <a:rPr kumimoji="1" lang="ja-JP" altLang="en-US" smtClean="0"/>
-              <a:t>2017/10/13</a:t>
+              <a:t>2017/10/15</a:t>
             </a:fld>
             <a:endParaRPr kumimoji="1" lang="ja-JP" altLang="en-US"/>
           </a:p>
@@ -2613,10 +2615,9 @@
           </a:lstStyle>
           <a:p>
             <a:r>
-              <a:rPr kumimoji="1" lang="ja-JP" altLang="en-US" smtClean="0"/>
+              <a:rPr kumimoji="1" lang="ja-JP" altLang="en-US"/>
               <a:t>マスター タイトルの書式設定</a:t>
             </a:r>
-            <a:endParaRPr kumimoji="1" lang="ja-JP" altLang="en-US"/>
           </a:p>
         </p:txBody>
       </p:sp>
@@ -2740,7 +2741,7 @@
           <a:p>
             <a:pPr lvl="0"/>
             <a:r>
-              <a:rPr kumimoji="1" lang="ja-JP" altLang="en-US" smtClean="0"/>
+              <a:rPr kumimoji="1" lang="ja-JP" altLang="en-US"/>
               <a:t>マスター テキストの書式設定</a:t>
             </a:r>
           </a:p>
@@ -2763,7 +2764,7 @@
           <a:p>
             <a:fld id="{5A4526AC-7C8E-4382-A5C3-635A64199315}" type="datetimeFigureOut">
               <a:rPr kumimoji="1" lang="ja-JP" altLang="en-US" smtClean="0"/>
-              <a:t>2017/10/13</a:t>
+              <a:t>2017/10/15</a:t>
             </a:fld>
             <a:endParaRPr kumimoji="1" lang="ja-JP" altLang="en-US"/>
           </a:p>
@@ -2872,10 +2873,9 @@
           <a:lstStyle/>
           <a:p>
             <a:r>
-              <a:rPr kumimoji="1" lang="ja-JP" altLang="en-US" smtClean="0"/>
+              <a:rPr kumimoji="1" lang="ja-JP" altLang="en-US"/>
               <a:t>マスター タイトルの書式設定</a:t>
             </a:r>
-            <a:endParaRPr kumimoji="1" lang="ja-JP" altLang="en-US"/>
           </a:p>
         </p:txBody>
       </p:sp>
@@ -2906,70 +2906,69 @@
           <a:p>
             <a:pPr lvl="0"/>
             <a:r>
-              <a:rPr kumimoji="1" lang="ja-JP" altLang="en-US" smtClean="0"/>
+              <a:rPr kumimoji="1" lang="ja-JP" altLang="en-US"/>
               <a:t>マスター テキストの書式設定</a:t>
             </a:r>
           </a:p>
           <a:p>
             <a:pPr lvl="1"/>
             <a:r>
-              <a:rPr kumimoji="1" lang="ja-JP" altLang="en-US" smtClean="0"/>
+              <a:rPr kumimoji="1" lang="ja-JP" altLang="en-US"/>
               <a:t>第 </a:t>
             </a:r>
             <a:r>
-              <a:rPr kumimoji="1" lang="en-US" altLang="ja-JP" smtClean="0"/>
+              <a:rPr kumimoji="1" lang="en-US" altLang="ja-JP"/>
               <a:t>2 </a:t>
             </a:r>
             <a:r>
-              <a:rPr kumimoji="1" lang="ja-JP" altLang="en-US" smtClean="0"/>
+              <a:rPr kumimoji="1" lang="ja-JP" altLang="en-US"/>
               <a:t>レベル</a:t>
             </a:r>
           </a:p>
           <a:p>
             <a:pPr lvl="2"/>
             <a:r>
-              <a:rPr kumimoji="1" lang="ja-JP" altLang="en-US" smtClean="0"/>
+              <a:rPr kumimoji="1" lang="ja-JP" altLang="en-US"/>
               <a:t>第 </a:t>
             </a:r>
             <a:r>
-              <a:rPr kumimoji="1" lang="en-US" altLang="ja-JP" smtClean="0"/>
+              <a:rPr kumimoji="1" lang="en-US" altLang="ja-JP"/>
               <a:t>3 </a:t>
             </a:r>
             <a:r>
-              <a:rPr kumimoji="1" lang="ja-JP" altLang="en-US" smtClean="0"/>
+              <a:rPr kumimoji="1" lang="ja-JP" altLang="en-US"/>
               <a:t>レベル</a:t>
             </a:r>
           </a:p>
           <a:p>
             <a:pPr lvl="3"/>
             <a:r>
-              <a:rPr kumimoji="1" lang="ja-JP" altLang="en-US" smtClean="0"/>
+              <a:rPr kumimoji="1" lang="ja-JP" altLang="en-US"/>
               <a:t>第 </a:t>
             </a:r>
             <a:r>
-              <a:rPr kumimoji="1" lang="en-US" altLang="ja-JP" smtClean="0"/>
+              <a:rPr kumimoji="1" lang="en-US" altLang="ja-JP"/>
               <a:t>4 </a:t>
             </a:r>
             <a:r>
-              <a:rPr kumimoji="1" lang="ja-JP" altLang="en-US" smtClean="0"/>
+              <a:rPr kumimoji="1" lang="ja-JP" altLang="en-US"/>
               <a:t>レベル</a:t>
             </a:r>
           </a:p>
           <a:p>
             <a:pPr lvl="4"/>
             <a:r>
-              <a:rPr kumimoji="1" lang="ja-JP" altLang="en-US" smtClean="0"/>
+              <a:rPr kumimoji="1" lang="ja-JP" altLang="en-US"/>
               <a:t>第 </a:t>
             </a:r>
             <a:r>
-              <a:rPr kumimoji="1" lang="en-US" altLang="ja-JP" smtClean="0"/>
+              <a:rPr kumimoji="1" lang="en-US" altLang="ja-JP"/>
               <a:t>5 </a:t>
             </a:r>
             <a:r>
-              <a:rPr kumimoji="1" lang="ja-JP" altLang="en-US" smtClean="0"/>
+              <a:rPr kumimoji="1" lang="ja-JP" altLang="en-US"/>
               <a:t>レベル</a:t>
             </a:r>
-            <a:endParaRPr kumimoji="1" lang="ja-JP" altLang="en-US"/>
           </a:p>
         </p:txBody>
       </p:sp>
@@ -3008,7 +3007,7 @@
           <a:p>
             <a:fld id="{5A4526AC-7C8E-4382-A5C3-635A64199315}" type="datetimeFigureOut">
               <a:rPr kumimoji="1" lang="ja-JP" altLang="en-US" smtClean="0"/>
-              <a:t>2017/10/13</a:t>
+              <a:t>2017/10/15</a:t>
             </a:fld>
             <a:endParaRPr kumimoji="1" lang="ja-JP" altLang="en-US"/>
           </a:p>
@@ -3568,47 +3567,6 @@
           </a:fontRef>
         </p:style>
       </p:cxnSp>
-      <p:pic>
-        <p:nvPicPr>
-          <p:cNvPr id="1028" name="Picture 4" descr="C:\Users\kunii\Desktop\download.png"/>
-          <p:cNvPicPr>
-            <a:picLocks noChangeAspect="1" noChangeArrowheads="1"/>
-          </p:cNvPicPr>
-          <p:nvPr/>
-        </p:nvPicPr>
-        <p:blipFill>
-          <a:blip r:embed="rId3">
-            <a:extLst>
-              <a:ext uri="{28A0092B-C50C-407E-A947-70E740481C1C}">
-                <a14:useLocalDpi xmlns:a14="http://schemas.microsoft.com/office/drawing/2010/main" val="0"/>
-              </a:ext>
-            </a:extLst>
-          </a:blip>
-          <a:srcRect/>
-          <a:stretch>
-            <a:fillRect/>
-          </a:stretch>
-        </p:blipFill>
-        <p:spPr bwMode="auto">
-          <a:xfrm>
-            <a:off x="4455850" y="4444061"/>
-            <a:ext cx="879199" cy="1032103"/>
-          </a:xfrm>
-          <a:prstGeom prst="rect">
-            <a:avLst/>
-          </a:prstGeom>
-          <a:noFill/>
-          <a:extLst>
-            <a:ext uri="{909E8E84-426E-40DD-AFC4-6F175D3DCCD1}">
-              <a14:hiddenFill xmlns:a14="http://schemas.microsoft.com/office/drawing/2010/main">
-                <a:solidFill>
-                  <a:srgbClr val="FFFFFF"/>
-                </a:solidFill>
-              </a14:hiddenFill>
-            </a:ext>
-          </a:extLst>
-        </p:spPr>
-      </p:pic>
       <p:sp>
         <p:nvSpPr>
           <p:cNvPr id="26" name="角丸四角形 25"/>
@@ -3656,17 +3614,7 @@
                 <a:latin typeface="メイリオ" panose="020B0604030504040204" pitchFamily="50" charset="-128"/>
                 <a:ea typeface="メイリオ" panose="020B0604030504040204" pitchFamily="50" charset="-128"/>
               </a:rPr>
-              <a:t>K</a:t>
-            </a:r>
-            <a:r>
-              <a:rPr lang="en-US" altLang="ja-JP" sz="800" dirty="0" smtClean="0">
-                <a:solidFill>
-                  <a:schemeClr val="tx1"/>
-                </a:solidFill>
-                <a:latin typeface="メイリオ" panose="020B0604030504040204" pitchFamily="50" charset="-128"/>
-                <a:ea typeface="メイリオ" panose="020B0604030504040204" pitchFamily="50" charset="-128"/>
-              </a:rPr>
-              <a:t>eyword</a:t>
+              <a:t>Keyword</a:t>
             </a:r>
             <a:endParaRPr kumimoji="1" lang="ja-JP" altLang="en-US" sz="800" dirty="0">
               <a:solidFill>
@@ -3716,7 +3664,7 @@
           <a:p>
             <a:pPr algn="ctr"/>
             <a:r>
-              <a:rPr lang="en-US" altLang="ja-JP" sz="800" dirty="0" smtClean="0">
+              <a:rPr lang="en-US" altLang="ja-JP" sz="800" dirty="0">
                 <a:solidFill>
                   <a:schemeClr val="tx1"/>
                 </a:solidFill>
@@ -3775,7 +3723,7 @@
           <a:p>
             <a:pPr algn="ctr"/>
             <a:r>
-              <a:rPr lang="en-US" altLang="ja-JP" sz="800" dirty="0" smtClean="0">
+              <a:rPr lang="en-US" altLang="ja-JP" sz="800" dirty="0">
                 <a:solidFill>
                   <a:schemeClr val="tx1"/>
                 </a:solidFill>
@@ -3832,7 +3780,7 @@
           <a:p>
             <a:pPr algn="ctr"/>
             <a:r>
-              <a:rPr lang="en-US" altLang="ja-JP" sz="800" dirty="0" smtClean="0">
+              <a:rPr lang="en-US" altLang="ja-JP" sz="800" dirty="0">
                 <a:solidFill>
                   <a:schemeClr val="tx1"/>
                 </a:solidFill>
@@ -3855,15 +3803,16 @@
         <p:nvCxnSpPr>
           <p:cNvPr id="53" name="カギ線コネクタ 52"/>
           <p:cNvCxnSpPr>
+            <a:cxnSpLocks/>
             <a:stCxn id="89" idx="1"/>
-            <a:endCxn id="1028" idx="3"/>
+            <a:endCxn id="61" idx="3"/>
           </p:cNvCxnSpPr>
           <p:nvPr/>
         </p:nvCxnSpPr>
         <p:spPr>
           <a:xfrm rot="10800000" flipV="1">
-            <a:off x="5335050" y="4613241"/>
-            <a:ext cx="1842979" cy="346872"/>
+            <a:off x="5752470" y="4613241"/>
+            <a:ext cx="1425559" cy="537588"/>
           </a:xfrm>
           <a:prstGeom prst="bentConnector3">
             <a:avLst/>
@@ -4039,7 +3988,7 @@
           <a:p>
             <a:pPr algn="ctr"/>
             <a:r>
-              <a:rPr lang="en-US" altLang="ja-JP" sz="800" dirty="0" smtClean="0">
+              <a:rPr lang="en-US" altLang="ja-JP" sz="800" dirty="0">
                 <a:solidFill>
                   <a:schemeClr val="tx1"/>
                 </a:solidFill>
@@ -4096,7 +4045,7 @@
           <a:p>
             <a:pPr algn="ctr"/>
             <a:r>
-              <a:rPr lang="en-US" altLang="ja-JP" sz="800" dirty="0" smtClean="0">
+              <a:rPr lang="en-US" altLang="ja-JP" sz="800" dirty="0">
                 <a:solidFill>
                   <a:schemeClr val="tx1"/>
                 </a:solidFill>
@@ -4119,15 +4068,16 @@
         <p:nvCxnSpPr>
           <p:cNvPr id="88" name="カギ線コネクタ 87"/>
           <p:cNvCxnSpPr>
+            <a:cxnSpLocks/>
             <a:stCxn id="66" idx="2"/>
-            <a:endCxn id="1028" idx="1"/>
+            <a:endCxn id="61" idx="1"/>
           </p:cNvCxnSpPr>
           <p:nvPr/>
         </p:nvCxnSpPr>
         <p:spPr>
           <a:xfrm rot="16200000" flipH="1">
-            <a:off x="3843405" y="4347668"/>
-            <a:ext cx="318164" cy="906726"/>
+            <a:off x="3591089" y="4599983"/>
+            <a:ext cx="508880" cy="592811"/>
           </a:xfrm>
           <a:prstGeom prst="bentConnector2">
             <a:avLst/>
@@ -4197,7 +4147,7 @@
           <a:p>
             <a:pPr algn="ctr"/>
             <a:r>
-              <a:rPr lang="en-US" altLang="ja-JP" dirty="0" smtClean="0">
+              <a:rPr lang="en-US" altLang="ja-JP" dirty="0">
                 <a:solidFill>
                   <a:schemeClr val="bg1"/>
                 </a:solidFill>
@@ -4220,7 +4170,7 @@
         </p:nvCxnSpPr>
         <p:spPr>
           <a:xfrm>
-            <a:off x="761857" y="5448540"/>
+            <a:off x="761857" y="5589240"/>
             <a:ext cx="7992888" cy="0"/>
           </a:xfrm>
           <a:prstGeom prst="line">
@@ -4362,7 +4312,7 @@
           <a:p>
             <a:pPr algn="ctr"/>
             <a:r>
-              <a:rPr kumimoji="1" lang="en-US" altLang="ja-JP" dirty="0" smtClean="0">
+              <a:rPr kumimoji="1" lang="en-US" altLang="ja-JP" dirty="0">
                 <a:solidFill>
                   <a:schemeClr val="bg1"/>
                 </a:solidFill>
@@ -4380,6 +4330,47 @@
       <p:pic>
         <p:nvPicPr>
           <p:cNvPr id="8" name="Picture 2" descr="C:\Users\kunii\Desktop\syokuji_computer.png"/>
+          <p:cNvPicPr>
+            <a:picLocks noChangeAspect="1" noChangeArrowheads="1"/>
+          </p:cNvPicPr>
+          <p:nvPr/>
+        </p:nvPicPr>
+        <p:blipFill>
+          <a:blip r:embed="rId3" cstate="print">
+            <a:extLst>
+              <a:ext uri="{28A0092B-C50C-407E-A947-70E740481C1C}">
+                <a14:useLocalDpi xmlns:a14="http://schemas.microsoft.com/office/drawing/2010/main" val="0"/>
+              </a:ext>
+            </a:extLst>
+          </a:blip>
+          <a:srcRect/>
+          <a:stretch>
+            <a:fillRect/>
+          </a:stretch>
+        </p:blipFill>
+        <p:spPr bwMode="auto">
+          <a:xfrm>
+            <a:off x="7137215" y="5624473"/>
+            <a:ext cx="1301800" cy="1230201"/>
+          </a:xfrm>
+          <a:prstGeom prst="rect">
+            <a:avLst/>
+          </a:prstGeom>
+          <a:noFill/>
+          <a:extLst>
+            <a:ext uri="{909E8E84-426E-40DD-AFC4-6F175D3DCCD1}">
+              <a14:hiddenFill xmlns:a14="http://schemas.microsoft.com/office/drawing/2010/main">
+                <a:solidFill>
+                  <a:srgbClr val="FFFFFF"/>
+                </a:solidFill>
+              </a14:hiddenFill>
+            </a:ext>
+          </a:extLst>
+        </p:spPr>
+      </p:pic>
+      <p:pic>
+        <p:nvPicPr>
+          <p:cNvPr id="9" name="Picture 3" descr="C:\Users\kunii\Desktop\wpid-diffbot_logo-white.png"/>
           <p:cNvPicPr>
             <a:picLocks noChangeAspect="1" noChangeArrowheads="1"/>
           </p:cNvPicPr>
@@ -4400,8 +4391,8 @@
         </p:blipFill>
         <p:spPr bwMode="auto">
           <a:xfrm>
-            <a:off x="7137215" y="5624473"/>
-            <a:ext cx="1301800" cy="1230201"/>
+            <a:off x="5988266" y="824398"/>
+            <a:ext cx="1659765" cy="663906"/>
           </a:xfrm>
           <a:prstGeom prst="rect">
             <a:avLst/>
@@ -4418,9 +4409,48 @@
           </a:extLst>
         </p:spPr>
       </p:pic>
+      <p:cxnSp>
+        <p:nvCxnSpPr>
+          <p:cNvPr id="47" name="直線矢印コネクタ 46"/>
+          <p:cNvCxnSpPr>
+            <a:stCxn id="8" idx="0"/>
+            <a:endCxn id="89" idx="2"/>
+          </p:cNvCxnSpPr>
+          <p:nvPr/>
+        </p:nvCxnSpPr>
+        <p:spPr>
+          <a:xfrm flipV="1">
+            <a:off x="7788115" y="4860093"/>
+            <a:ext cx="16607" cy="764380"/>
+          </a:xfrm>
+          <a:prstGeom prst="straightConnector1">
+            <a:avLst/>
+          </a:prstGeom>
+          <a:ln w="57150">
+            <a:solidFill>
+              <a:srgbClr val="FFC000"/>
+            </a:solidFill>
+            <a:tailEnd type="arrow"/>
+          </a:ln>
+        </p:spPr>
+        <p:style>
+          <a:lnRef idx="1">
+            <a:schemeClr val="accent1"/>
+          </a:lnRef>
+          <a:fillRef idx="0">
+            <a:schemeClr val="accent1"/>
+          </a:fillRef>
+          <a:effectRef idx="0">
+            <a:schemeClr val="accent1"/>
+          </a:effectRef>
+          <a:fontRef idx="minor">
+            <a:schemeClr val="tx1"/>
+          </a:fontRef>
+        </p:style>
+      </p:cxnSp>
       <p:pic>
         <p:nvPicPr>
-          <p:cNvPr id="9" name="Picture 3" descr="C:\Users\kunii\Desktop\wpid-diffbot_logo-white.png"/>
+          <p:cNvPr id="52" name="Picture 4" descr="C:\Users\kunii\Desktop\20151222221539.jpg"/>
           <p:cNvPicPr>
             <a:picLocks noChangeAspect="1" noChangeArrowheads="1"/>
           </p:cNvPicPr>
@@ -4441,8 +4471,8 @@
         </p:blipFill>
         <p:spPr bwMode="auto">
           <a:xfrm>
-            <a:off x="5988266" y="824398"/>
-            <a:ext cx="1659765" cy="663906"/>
+            <a:off x="1161168" y="2190153"/>
+            <a:ext cx="504323" cy="392363"/>
           </a:xfrm>
           <a:prstGeom prst="rect">
             <a:avLst/>
@@ -4459,48 +4489,9 @@
           </a:extLst>
         </p:spPr>
       </p:pic>
-      <p:cxnSp>
-        <p:nvCxnSpPr>
-          <p:cNvPr id="47" name="直線矢印コネクタ 46"/>
-          <p:cNvCxnSpPr>
-            <a:stCxn id="8" idx="0"/>
-            <a:endCxn id="89" idx="2"/>
-          </p:cNvCxnSpPr>
-          <p:nvPr/>
-        </p:nvCxnSpPr>
-        <p:spPr>
-          <a:xfrm flipV="1">
-            <a:off x="7788115" y="4860093"/>
-            <a:ext cx="16607" cy="764380"/>
-          </a:xfrm>
-          <a:prstGeom prst="straightConnector1">
-            <a:avLst/>
-          </a:prstGeom>
-          <a:ln w="57150">
-            <a:solidFill>
-              <a:srgbClr val="FFC000"/>
-            </a:solidFill>
-            <a:tailEnd type="arrow"/>
-          </a:ln>
-        </p:spPr>
-        <p:style>
-          <a:lnRef idx="1">
-            <a:schemeClr val="accent1"/>
-          </a:lnRef>
-          <a:fillRef idx="0">
-            <a:schemeClr val="accent1"/>
-          </a:fillRef>
-          <a:effectRef idx="0">
-            <a:schemeClr val="accent1"/>
-          </a:effectRef>
-          <a:fontRef idx="minor">
-            <a:schemeClr val="tx1"/>
-          </a:fontRef>
-        </p:style>
-      </p:cxnSp>
       <p:pic>
         <p:nvPicPr>
-          <p:cNvPr id="52" name="Picture 4" descr="C:\Users\kunii\Desktop\20151222221539.jpg"/>
+          <p:cNvPr id="60" name="Picture 3" descr="C:\Users\kunii\Desktop\1200px-Redis_Logo.svg.png"/>
           <p:cNvPicPr>
             <a:picLocks noChangeAspect="1" noChangeArrowheads="1"/>
           </p:cNvPicPr>
@@ -4521,8 +4512,8 @@
         </p:blipFill>
         <p:spPr bwMode="auto">
           <a:xfrm>
-            <a:off x="1161168" y="2190153"/>
-            <a:ext cx="504323" cy="392363"/>
+            <a:off x="1594079" y="2496354"/>
+            <a:ext cx="814021" cy="272018"/>
           </a:xfrm>
           <a:prstGeom prst="rect">
             <a:avLst/>
@@ -4539,9 +4530,510 @@
           </a:extLst>
         </p:spPr>
       </p:pic>
+      <p:sp>
+        <p:nvSpPr>
+          <p:cNvPr id="63" name="正方形/長方形 62"/>
+          <p:cNvSpPr/>
+          <p:nvPr/>
+        </p:nvSpPr>
+        <p:spPr>
+          <a:xfrm>
+            <a:off x="6119920" y="2375397"/>
+            <a:ext cx="1253387" cy="493705"/>
+          </a:xfrm>
+          <a:prstGeom prst="rect">
+            <a:avLst/>
+          </a:prstGeom>
+          <a:solidFill>
+            <a:schemeClr val="bg1"/>
+          </a:solidFill>
+          <a:ln w="19050"/>
+        </p:spPr>
+        <p:style>
+          <a:lnRef idx="2">
+            <a:schemeClr val="accent1">
+              <a:shade val="50000"/>
+            </a:schemeClr>
+          </a:lnRef>
+          <a:fillRef idx="1">
+            <a:schemeClr val="accent1"/>
+          </a:fillRef>
+          <a:effectRef idx="0">
+            <a:schemeClr val="accent1"/>
+          </a:effectRef>
+          <a:fontRef idx="minor">
+            <a:schemeClr val="lt1"/>
+          </a:fontRef>
+        </p:style>
+        <p:txBody>
+          <a:bodyPr rtlCol="0" anchor="ctr"/>
+          <a:lstStyle/>
+          <a:p>
+            <a:pPr algn="ctr"/>
+            <a:endParaRPr kumimoji="1" lang="ja-JP" altLang="en-US"/>
+          </a:p>
+        </p:txBody>
+      </p:sp>
       <p:pic>
         <p:nvPicPr>
-          <p:cNvPr id="60" name="Picture 3" descr="C:\Users\kunii\Desktop\1200px-Redis_Logo.svg.png"/>
+          <p:cNvPr id="64" name="Picture 4" descr="C:\Users\kunii\Desktop\20151222221539.jpg"/>
+          <p:cNvPicPr>
+            <a:picLocks noChangeAspect="1" noChangeArrowheads="1"/>
+          </p:cNvPicPr>
+          <p:nvPr/>
+        </p:nvPicPr>
+        <p:blipFill>
+          <a:blip r:embed="rId5" cstate="print">
+            <a:extLst>
+              <a:ext uri="{28A0092B-C50C-407E-A947-70E740481C1C}">
+                <a14:useLocalDpi xmlns:a14="http://schemas.microsoft.com/office/drawing/2010/main" val="0"/>
+              </a:ext>
+            </a:extLst>
+          </a:blip>
+          <a:srcRect/>
+          <a:stretch>
+            <a:fillRect/>
+          </a:stretch>
+        </p:blipFill>
+        <p:spPr bwMode="auto">
+          <a:xfrm>
+            <a:off x="5957820" y="2195382"/>
+            <a:ext cx="504323" cy="392363"/>
+          </a:xfrm>
+          <a:prstGeom prst="rect">
+            <a:avLst/>
+          </a:prstGeom>
+          <a:noFill/>
+          <a:extLst>
+            <a:ext uri="{909E8E84-426E-40DD-AFC4-6F175D3DCCD1}">
+              <a14:hiddenFill xmlns:a14="http://schemas.microsoft.com/office/drawing/2010/main">
+                <a:solidFill>
+                  <a:srgbClr val="FFFFFF"/>
+                </a:solidFill>
+              </a14:hiddenFill>
+            </a:ext>
+          </a:extLst>
+        </p:spPr>
+      </p:pic>
+      <p:pic>
+        <p:nvPicPr>
+          <p:cNvPr id="65" name="Picture 3" descr="C:\Users\kunii\Desktop\1200px-Redis_Logo.svg.png"/>
+          <p:cNvPicPr>
+            <a:picLocks noChangeAspect="1" noChangeArrowheads="1"/>
+          </p:cNvPicPr>
+          <p:nvPr/>
+        </p:nvPicPr>
+        <p:blipFill>
+          <a:blip r:embed="rId6" cstate="print">
+            <a:extLst>
+              <a:ext uri="{28A0092B-C50C-407E-A947-70E740481C1C}">
+                <a14:useLocalDpi xmlns:a14="http://schemas.microsoft.com/office/drawing/2010/main" val="0"/>
+              </a:ext>
+            </a:extLst>
+          </a:blip>
+          <a:srcRect/>
+          <a:stretch>
+            <a:fillRect/>
+          </a:stretch>
+        </p:blipFill>
+        <p:spPr bwMode="auto">
+          <a:xfrm>
+            <a:off x="6390731" y="2501583"/>
+            <a:ext cx="814021" cy="272018"/>
+          </a:xfrm>
+          <a:prstGeom prst="rect">
+            <a:avLst/>
+          </a:prstGeom>
+          <a:noFill/>
+          <a:extLst>
+            <a:ext uri="{909E8E84-426E-40DD-AFC4-6F175D3DCCD1}">
+              <a14:hiddenFill xmlns:a14="http://schemas.microsoft.com/office/drawing/2010/main">
+                <a:solidFill>
+                  <a:srgbClr val="FFFFFF"/>
+                </a:solidFill>
+              </a14:hiddenFill>
+            </a:ext>
+          </a:extLst>
+        </p:spPr>
+      </p:pic>
+      <p:sp>
+        <p:nvSpPr>
+          <p:cNvPr id="66" name="正方形/長方形 65"/>
+          <p:cNvSpPr/>
+          <p:nvPr/>
+        </p:nvSpPr>
+        <p:spPr>
+          <a:xfrm>
+            <a:off x="2922430" y="4148244"/>
+            <a:ext cx="1253387" cy="493705"/>
+          </a:xfrm>
+          <a:prstGeom prst="rect">
+            <a:avLst/>
+          </a:prstGeom>
+          <a:solidFill>
+            <a:schemeClr val="bg1"/>
+          </a:solidFill>
+          <a:ln w="19050"/>
+        </p:spPr>
+        <p:style>
+          <a:lnRef idx="2">
+            <a:schemeClr val="accent1">
+              <a:shade val="50000"/>
+            </a:schemeClr>
+          </a:lnRef>
+          <a:fillRef idx="1">
+            <a:schemeClr val="accent1"/>
+          </a:fillRef>
+          <a:effectRef idx="0">
+            <a:schemeClr val="accent1"/>
+          </a:effectRef>
+          <a:fontRef idx="minor">
+            <a:schemeClr val="lt1"/>
+          </a:fontRef>
+        </p:style>
+        <p:txBody>
+          <a:bodyPr rtlCol="0" anchor="ctr"/>
+          <a:lstStyle/>
+          <a:p>
+            <a:pPr algn="ctr"/>
+            <a:r>
+              <a:rPr kumimoji="1" lang="en-US" altLang="ja-JP" sz="1200" dirty="0">
+                <a:solidFill>
+                  <a:schemeClr val="bg2">
+                    <a:lumMod val="10000"/>
+                  </a:schemeClr>
+                </a:solidFill>
+              </a:rPr>
+              <a:t>collect</a:t>
+            </a:r>
+            <a:endParaRPr kumimoji="1" lang="ja-JP" altLang="en-US" sz="1200" dirty="0">
+              <a:solidFill>
+                <a:schemeClr val="bg2">
+                  <a:lumMod val="10000"/>
+                </a:schemeClr>
+              </a:solidFill>
+            </a:endParaRPr>
+          </a:p>
+        </p:txBody>
+      </p:sp>
+      <p:pic>
+        <p:nvPicPr>
+          <p:cNvPr id="67" name="Picture 4" descr="C:\Users\kunii\Desktop\20151222221539.jpg"/>
+          <p:cNvPicPr>
+            <a:picLocks noChangeAspect="1" noChangeArrowheads="1"/>
+          </p:cNvPicPr>
+          <p:nvPr/>
+        </p:nvPicPr>
+        <p:blipFill>
+          <a:blip r:embed="rId5" cstate="print">
+            <a:extLst>
+              <a:ext uri="{28A0092B-C50C-407E-A947-70E740481C1C}">
+                <a14:useLocalDpi xmlns:a14="http://schemas.microsoft.com/office/drawing/2010/main" val="0"/>
+              </a:ext>
+            </a:extLst>
+          </a:blip>
+          <a:srcRect/>
+          <a:stretch>
+            <a:fillRect/>
+          </a:stretch>
+        </p:blipFill>
+        <p:spPr bwMode="auto">
+          <a:xfrm>
+            <a:off x="2635007" y="3942313"/>
+            <a:ext cx="504323" cy="392363"/>
+          </a:xfrm>
+          <a:prstGeom prst="rect">
+            <a:avLst/>
+          </a:prstGeom>
+          <a:noFill/>
+          <a:extLst>
+            <a:ext uri="{909E8E84-426E-40DD-AFC4-6F175D3DCCD1}">
+              <a14:hiddenFill xmlns:a14="http://schemas.microsoft.com/office/drawing/2010/main">
+                <a:solidFill>
+                  <a:srgbClr val="FFFFFF"/>
+                </a:solidFill>
+              </a14:hiddenFill>
+            </a:ext>
+          </a:extLst>
+        </p:spPr>
+      </p:pic>
+      <p:sp>
+        <p:nvSpPr>
+          <p:cNvPr id="69" name="正方形/長方形 68"/>
+          <p:cNvSpPr/>
+          <p:nvPr/>
+        </p:nvSpPr>
+        <p:spPr>
+          <a:xfrm>
+            <a:off x="6155015" y="3448608"/>
+            <a:ext cx="1253387" cy="493705"/>
+          </a:xfrm>
+          <a:prstGeom prst="rect">
+            <a:avLst/>
+          </a:prstGeom>
+          <a:solidFill>
+            <a:schemeClr val="bg1"/>
+          </a:solidFill>
+          <a:ln w="19050"/>
+        </p:spPr>
+        <p:style>
+          <a:lnRef idx="2">
+            <a:schemeClr val="accent1">
+              <a:shade val="50000"/>
+            </a:schemeClr>
+          </a:lnRef>
+          <a:fillRef idx="1">
+            <a:schemeClr val="accent1"/>
+          </a:fillRef>
+          <a:effectRef idx="0">
+            <a:schemeClr val="accent1"/>
+          </a:effectRef>
+          <a:fontRef idx="minor">
+            <a:schemeClr val="lt1"/>
+          </a:fontRef>
+        </p:style>
+        <p:txBody>
+          <a:bodyPr rtlCol="0" anchor="ctr"/>
+          <a:lstStyle/>
+          <a:p>
+            <a:pPr algn="ctr"/>
+            <a:r>
+              <a:rPr lang="en-US" altLang="ja-JP" sz="1200" dirty="0">
+                <a:solidFill>
+                  <a:schemeClr val="bg2">
+                    <a:lumMod val="10000"/>
+                  </a:schemeClr>
+                </a:solidFill>
+              </a:rPr>
+              <a:t>g</a:t>
+            </a:r>
+            <a:r>
+              <a:rPr kumimoji="1" lang="en-US" altLang="ja-JP" sz="1200" dirty="0">
+                <a:solidFill>
+                  <a:schemeClr val="bg2">
+                    <a:lumMod val="10000"/>
+                  </a:schemeClr>
+                </a:solidFill>
+              </a:rPr>
+              <a:t>et-body</a:t>
+            </a:r>
+            <a:endParaRPr kumimoji="1" lang="ja-JP" altLang="en-US" sz="1200" dirty="0">
+              <a:solidFill>
+                <a:schemeClr val="bg2">
+                  <a:lumMod val="10000"/>
+                </a:schemeClr>
+              </a:solidFill>
+            </a:endParaRPr>
+          </a:p>
+        </p:txBody>
+      </p:sp>
+      <p:pic>
+        <p:nvPicPr>
+          <p:cNvPr id="72" name="Picture 4" descr="C:\Users\kunii\Desktop\20151222221539.jpg"/>
+          <p:cNvPicPr>
+            <a:picLocks noChangeAspect="1" noChangeArrowheads="1"/>
+          </p:cNvPicPr>
+          <p:nvPr/>
+        </p:nvPicPr>
+        <p:blipFill>
+          <a:blip r:embed="rId5" cstate="print">
+            <a:extLst>
+              <a:ext uri="{28A0092B-C50C-407E-A947-70E740481C1C}">
+                <a14:useLocalDpi xmlns:a14="http://schemas.microsoft.com/office/drawing/2010/main" val="0"/>
+              </a:ext>
+            </a:extLst>
+          </a:blip>
+          <a:srcRect/>
+          <a:stretch>
+            <a:fillRect/>
+          </a:stretch>
+        </p:blipFill>
+        <p:spPr bwMode="auto">
+          <a:xfrm>
+            <a:off x="5992915" y="3268593"/>
+            <a:ext cx="504323" cy="392363"/>
+          </a:xfrm>
+          <a:prstGeom prst="rect">
+            <a:avLst/>
+          </a:prstGeom>
+          <a:noFill/>
+          <a:extLst>
+            <a:ext uri="{909E8E84-426E-40DD-AFC4-6F175D3DCCD1}">
+              <a14:hiddenFill xmlns:a14="http://schemas.microsoft.com/office/drawing/2010/main">
+                <a:solidFill>
+                  <a:srgbClr val="FFFFFF"/>
+                </a:solidFill>
+              </a14:hiddenFill>
+            </a:ext>
+          </a:extLst>
+        </p:spPr>
+      </p:pic>
+      <p:sp>
+        <p:nvSpPr>
+          <p:cNvPr id="73" name="テキスト ボックス 72"/>
+          <p:cNvSpPr txBox="1"/>
+          <p:nvPr/>
+        </p:nvSpPr>
+        <p:spPr>
+          <a:xfrm>
+            <a:off x="2845969" y="5004652"/>
+            <a:ext cx="534121" cy="253916"/>
+          </a:xfrm>
+          <a:prstGeom prst="rect">
+            <a:avLst/>
+          </a:prstGeom>
+          <a:noFill/>
+        </p:spPr>
+        <p:txBody>
+          <a:bodyPr wrap="none" rtlCol="0">
+            <a:spAutoFit/>
+          </a:bodyPr>
+          <a:lstStyle/>
+          <a:p>
+            <a:r>
+              <a:rPr kumimoji="1" lang="en-US" altLang="ja-JP" sz="1050" dirty="0">
+                <a:latin typeface="メイリオ" panose="020B0604030504040204" pitchFamily="50" charset="-128"/>
+                <a:ea typeface="メイリオ" panose="020B0604030504040204" pitchFamily="50" charset="-128"/>
+              </a:rPr>
+              <a:t>Store</a:t>
+            </a:r>
+            <a:endParaRPr kumimoji="1" lang="ja-JP" altLang="en-US" sz="1050" dirty="0">
+              <a:latin typeface="メイリオ" panose="020B0604030504040204" pitchFamily="50" charset="-128"/>
+              <a:ea typeface="メイリオ" panose="020B0604030504040204" pitchFamily="50" charset="-128"/>
+            </a:endParaRPr>
+          </a:p>
+        </p:txBody>
+      </p:sp>
+      <p:sp>
+        <p:nvSpPr>
+          <p:cNvPr id="74" name="テキスト ボックス 73"/>
+          <p:cNvSpPr txBox="1"/>
+          <p:nvPr/>
+        </p:nvSpPr>
+        <p:spPr>
+          <a:xfrm>
+            <a:off x="4175817" y="2504728"/>
+            <a:ext cx="1143262" cy="253916"/>
+          </a:xfrm>
+          <a:prstGeom prst="rect">
+            <a:avLst/>
+          </a:prstGeom>
+          <a:noFill/>
+        </p:spPr>
+        <p:txBody>
+          <a:bodyPr wrap="none" rtlCol="0">
+            <a:spAutoFit/>
+          </a:bodyPr>
+          <a:lstStyle/>
+          <a:p>
+            <a:r>
+              <a:rPr kumimoji="1" lang="en-US" altLang="ja-JP" sz="1050" dirty="0">
+                <a:latin typeface="メイリオ" panose="020B0604030504040204" pitchFamily="50" charset="-128"/>
+                <a:ea typeface="メイリオ" panose="020B0604030504040204" pitchFamily="50" charset="-128"/>
+              </a:rPr>
+              <a:t>Get page body</a:t>
+            </a:r>
+            <a:endParaRPr kumimoji="1" lang="ja-JP" altLang="en-US" sz="1050" dirty="0">
+              <a:latin typeface="メイリオ" panose="020B0604030504040204" pitchFamily="50" charset="-128"/>
+              <a:ea typeface="メイリオ" panose="020B0604030504040204" pitchFamily="50" charset="-128"/>
+            </a:endParaRPr>
+          </a:p>
+        </p:txBody>
+      </p:sp>
+      <p:sp>
+        <p:nvSpPr>
+          <p:cNvPr id="89" name="正方形/長方形 88"/>
+          <p:cNvSpPr/>
+          <p:nvPr/>
+        </p:nvSpPr>
+        <p:spPr>
+          <a:xfrm>
+            <a:off x="7178028" y="4366388"/>
+            <a:ext cx="1253387" cy="493705"/>
+          </a:xfrm>
+          <a:prstGeom prst="rect">
+            <a:avLst/>
+          </a:prstGeom>
+          <a:solidFill>
+            <a:schemeClr val="bg1"/>
+          </a:solidFill>
+          <a:ln w="19050"/>
+        </p:spPr>
+        <p:style>
+          <a:lnRef idx="2">
+            <a:schemeClr val="accent1">
+              <a:shade val="50000"/>
+            </a:schemeClr>
+          </a:lnRef>
+          <a:fillRef idx="1">
+            <a:schemeClr val="accent1"/>
+          </a:fillRef>
+          <a:effectRef idx="0">
+            <a:schemeClr val="accent1"/>
+          </a:effectRef>
+          <a:fontRef idx="minor">
+            <a:schemeClr val="lt1"/>
+          </a:fontRef>
+        </p:style>
+        <p:txBody>
+          <a:bodyPr rtlCol="0" anchor="ctr"/>
+          <a:lstStyle/>
+          <a:p>
+            <a:pPr algn="ctr"/>
+            <a:endParaRPr kumimoji="1" lang="ja-JP" altLang="en-US" sz="1200" dirty="0">
+              <a:solidFill>
+                <a:schemeClr val="bg2">
+                  <a:lumMod val="10000"/>
+                </a:schemeClr>
+              </a:solidFill>
+            </a:endParaRPr>
+          </a:p>
+        </p:txBody>
+      </p:sp>
+      <p:pic>
+        <p:nvPicPr>
+          <p:cNvPr id="90" name="Picture 4" descr="C:\Users\kunii\Desktop\20151222221539.jpg"/>
+          <p:cNvPicPr>
+            <a:picLocks noChangeAspect="1" noChangeArrowheads="1"/>
+          </p:cNvPicPr>
+          <p:nvPr/>
+        </p:nvPicPr>
+        <p:blipFill>
+          <a:blip r:embed="rId5" cstate="print">
+            <a:extLst>
+              <a:ext uri="{28A0092B-C50C-407E-A947-70E740481C1C}">
+                <a14:useLocalDpi xmlns:a14="http://schemas.microsoft.com/office/drawing/2010/main" val="0"/>
+              </a:ext>
+            </a:extLst>
+          </a:blip>
+          <a:srcRect/>
+          <a:stretch>
+            <a:fillRect/>
+          </a:stretch>
+        </p:blipFill>
+        <p:spPr bwMode="auto">
+          <a:xfrm>
+            <a:off x="7015928" y="4186373"/>
+            <a:ext cx="504323" cy="392363"/>
+          </a:xfrm>
+          <a:prstGeom prst="rect">
+            <a:avLst/>
+          </a:prstGeom>
+          <a:noFill/>
+          <a:extLst>
+            <a:ext uri="{909E8E84-426E-40DD-AFC4-6F175D3DCCD1}">
+              <a14:hiddenFill xmlns:a14="http://schemas.microsoft.com/office/drawing/2010/main">
+                <a:solidFill>
+                  <a:srgbClr val="FFFFFF"/>
+                </a:solidFill>
+              </a14:hiddenFill>
+            </a:ext>
+          </a:extLst>
+        </p:spPr>
+      </p:pic>
+      <p:pic>
+        <p:nvPicPr>
+          <p:cNvPr id="91" name="Picture 4" descr="C:\Users\kunii\Desktop\logo.png"/>
           <p:cNvPicPr>
             <a:picLocks noChangeAspect="1" noChangeArrowheads="1"/>
           </p:cNvPicPr>
@@ -4562,8 +5054,8 @@
         </p:blipFill>
         <p:spPr bwMode="auto">
           <a:xfrm>
-            <a:off x="1594079" y="2496354"/>
-            <a:ext cx="814021" cy="272018"/>
+            <a:off x="7434126" y="4532035"/>
+            <a:ext cx="816510" cy="219829"/>
           </a:xfrm>
           <a:prstGeom prst="rect">
             <a:avLst/>
@@ -4582,13 +5074,107 @@
       </p:pic>
       <p:sp>
         <p:nvSpPr>
-          <p:cNvPr id="63" name="正方形/長方形 62"/>
+          <p:cNvPr id="37" name="テキスト ボックス 36"/>
+          <p:cNvSpPr txBox="1"/>
+          <p:nvPr/>
+        </p:nvSpPr>
+        <p:spPr>
+          <a:xfrm>
+            <a:off x="5856444" y="4377476"/>
+            <a:ext cx="716863" cy="253916"/>
+          </a:xfrm>
+          <a:prstGeom prst="rect">
+            <a:avLst/>
+          </a:prstGeom>
+          <a:noFill/>
+        </p:spPr>
+        <p:txBody>
+          <a:bodyPr wrap="none" rtlCol="0">
+            <a:spAutoFit/>
+          </a:bodyPr>
+          <a:lstStyle/>
+          <a:p>
+            <a:r>
+              <a:rPr kumimoji="1" lang="en-US" altLang="ja-JP" sz="1050" dirty="0">
+                <a:latin typeface="メイリオ" panose="020B0604030504040204" pitchFamily="50" charset="-128"/>
+                <a:ea typeface="メイリオ" panose="020B0604030504040204" pitchFamily="50" charset="-128"/>
+              </a:rPr>
+              <a:t>Analysis</a:t>
+            </a:r>
+            <a:endParaRPr kumimoji="1" lang="ja-JP" altLang="en-US" sz="1050" dirty="0">
+              <a:latin typeface="メイリオ" panose="020B0604030504040204" pitchFamily="50" charset="-128"/>
+              <a:ea typeface="メイリオ" panose="020B0604030504040204" pitchFamily="50" charset="-128"/>
+            </a:endParaRPr>
+          </a:p>
+        </p:txBody>
+      </p:sp>
+      <p:sp>
+        <p:nvSpPr>
+          <p:cNvPr id="85" name="円/楕円 84"/>
           <p:cNvSpPr/>
           <p:nvPr/>
         </p:nvSpPr>
         <p:spPr>
           <a:xfrm>
-            <a:off x="6119920" y="2375397"/>
+            <a:off x="5591784" y="4316197"/>
+            <a:ext cx="325753" cy="325753"/>
+          </a:xfrm>
+          <a:prstGeom prst="ellipse">
+            <a:avLst/>
+          </a:prstGeom>
+          <a:solidFill>
+            <a:srgbClr val="FF0000"/>
+          </a:solidFill>
+          <a:ln>
+            <a:noFill/>
+          </a:ln>
+        </p:spPr>
+        <p:style>
+          <a:lnRef idx="2">
+            <a:schemeClr val="accent1">
+              <a:shade val="50000"/>
+            </a:schemeClr>
+          </a:lnRef>
+          <a:fillRef idx="1">
+            <a:schemeClr val="accent1"/>
+          </a:fillRef>
+          <a:effectRef idx="0">
+            <a:schemeClr val="accent1"/>
+          </a:effectRef>
+          <a:fontRef idx="minor">
+            <a:schemeClr val="lt1"/>
+          </a:fontRef>
+        </p:style>
+        <p:txBody>
+          <a:bodyPr rtlCol="0" anchor="ctr"/>
+          <a:lstStyle/>
+          <a:p>
+            <a:pPr algn="ctr"/>
+            <a:r>
+              <a:rPr kumimoji="1" lang="en-US" altLang="ja-JP" dirty="0">
+                <a:solidFill>
+                  <a:schemeClr val="bg1"/>
+                </a:solidFill>
+              </a:rPr>
+              <a:t>4</a:t>
+            </a:r>
+            <a:endParaRPr kumimoji="1" lang="ja-JP" altLang="en-US" dirty="0">
+              <a:solidFill>
+                <a:schemeClr val="bg1"/>
+              </a:solidFill>
+            </a:endParaRPr>
+          </a:p>
+        </p:txBody>
+      </p:sp>
+      <p:sp>
+        <p:nvSpPr>
+          <p:cNvPr id="46" name="正方形/長方形 45"/>
+          <p:cNvSpPr/>
+          <p:nvPr/>
+        </p:nvSpPr>
+        <p:spPr>
+          <a:xfrm>
+            <a:off x="1374397" y="3334175"/>
             <a:ext cx="1253387" cy="493705"/>
           </a:xfrm>
           <a:prstGeom prst="rect">
@@ -4620,20 +5206,36 @@
           <a:lstStyle/>
           <a:p>
             <a:pPr algn="ctr"/>
-            <a:endParaRPr kumimoji="1" lang="ja-JP" altLang="en-US"/>
+            <a:r>
+              <a:rPr kumimoji="1" lang="en-US" altLang="ja-JP" sz="1200" dirty="0">
+                <a:solidFill>
+                  <a:schemeClr val="bg2">
+                    <a:lumMod val="10000"/>
+                  </a:schemeClr>
+                </a:solidFill>
+              </a:rPr>
+              <a:t>get-search-result</a:t>
+            </a:r>
+            <a:endParaRPr kumimoji="1" lang="ja-JP" altLang="en-US" sz="1200" dirty="0">
+              <a:solidFill>
+                <a:schemeClr val="bg2">
+                  <a:lumMod val="10000"/>
+                </a:schemeClr>
+              </a:solidFill>
+            </a:endParaRPr>
           </a:p>
         </p:txBody>
       </p:sp>
       <p:pic>
         <p:nvPicPr>
-          <p:cNvPr id="64" name="Picture 4" descr="C:\Users\kunii\Desktop\20151222221539.jpg"/>
+          <p:cNvPr id="50" name="Picture 4" descr="C:\Users\kunii\Desktop\20151222221539.jpg"/>
           <p:cNvPicPr>
             <a:picLocks noChangeAspect="1" noChangeArrowheads="1"/>
           </p:cNvPicPr>
           <p:nvPr/>
         </p:nvPicPr>
         <p:blipFill>
-          <a:blip r:embed="rId6" cstate="print">
+          <a:blip r:embed="rId5" cstate="print">
             <a:extLst>
               <a:ext uri="{28A0092B-C50C-407E-A947-70E740481C1C}">
                 <a14:useLocalDpi xmlns:a14="http://schemas.microsoft.com/office/drawing/2010/main" val="0"/>
@@ -4647,7 +5249,7 @@
         </p:blipFill>
         <p:spPr bwMode="auto">
           <a:xfrm>
-            <a:off x="5957820" y="2195382"/>
+            <a:off x="1180846" y="3164745"/>
             <a:ext cx="504323" cy="392363"/>
           </a:xfrm>
           <a:prstGeom prst="rect">
@@ -4665,16 +5267,204 @@
           </a:extLst>
         </p:spPr>
       </p:pic>
+      <p:sp>
+        <p:nvSpPr>
+          <p:cNvPr id="2" name="円/楕円 1"/>
+          <p:cNvSpPr/>
+          <p:nvPr/>
+        </p:nvSpPr>
+        <p:spPr>
+          <a:xfrm>
+            <a:off x="238356" y="3894063"/>
+            <a:ext cx="325753" cy="325753"/>
+          </a:xfrm>
+          <a:prstGeom prst="ellipse">
+            <a:avLst/>
+          </a:prstGeom>
+          <a:solidFill>
+            <a:srgbClr val="FF0000"/>
+          </a:solidFill>
+          <a:ln>
+            <a:noFill/>
+          </a:ln>
+        </p:spPr>
+        <p:style>
+          <a:lnRef idx="2">
+            <a:schemeClr val="accent1">
+              <a:shade val="50000"/>
+            </a:schemeClr>
+          </a:lnRef>
+          <a:fillRef idx="1">
+            <a:schemeClr val="accent1"/>
+          </a:fillRef>
+          <a:effectRef idx="0">
+            <a:schemeClr val="accent1"/>
+          </a:effectRef>
+          <a:fontRef idx="minor">
+            <a:schemeClr val="lt1"/>
+          </a:fontRef>
+        </p:style>
+        <p:txBody>
+          <a:bodyPr rtlCol="0" anchor="ctr"/>
+          <a:lstStyle/>
+          <a:p>
+            <a:pPr algn="ctr"/>
+            <a:r>
+              <a:rPr kumimoji="1" lang="en-US" altLang="ja-JP" dirty="0">
+                <a:solidFill>
+                  <a:schemeClr val="bg1"/>
+                </a:solidFill>
+              </a:rPr>
+              <a:t>1</a:t>
+            </a:r>
+            <a:endParaRPr kumimoji="1" lang="ja-JP" altLang="en-US" dirty="0">
+              <a:solidFill>
+                <a:schemeClr val="bg1"/>
+              </a:solidFill>
+            </a:endParaRPr>
+          </a:p>
+        </p:txBody>
+      </p:sp>
+      <p:sp>
+        <p:nvSpPr>
+          <p:cNvPr id="80" name="テキスト ボックス 79"/>
+          <p:cNvSpPr txBox="1"/>
+          <p:nvPr/>
+        </p:nvSpPr>
+        <p:spPr>
+          <a:xfrm>
+            <a:off x="595862" y="3942313"/>
+            <a:ext cx="1303562" cy="253916"/>
+          </a:xfrm>
+          <a:prstGeom prst="rect">
+            <a:avLst/>
+          </a:prstGeom>
+          <a:noFill/>
+        </p:spPr>
+        <p:txBody>
+          <a:bodyPr wrap="none" rtlCol="0">
+            <a:spAutoFit/>
+          </a:bodyPr>
+          <a:lstStyle/>
+          <a:p>
+            <a:r>
+              <a:rPr kumimoji="1" lang="en-US" altLang="ja-JP" sz="1050" dirty="0">
+                <a:latin typeface="メイリオ" panose="020B0604030504040204" pitchFamily="50" charset="-128"/>
+                <a:ea typeface="メイリオ" panose="020B0604030504040204" pitchFamily="50" charset="-128"/>
+              </a:rPr>
+              <a:t>Get search result</a:t>
+            </a:r>
+            <a:endParaRPr kumimoji="1" lang="ja-JP" altLang="en-US" sz="1050" dirty="0">
+              <a:latin typeface="メイリオ" panose="020B0604030504040204" pitchFamily="50" charset="-128"/>
+              <a:ea typeface="メイリオ" panose="020B0604030504040204" pitchFamily="50" charset="-128"/>
+            </a:endParaRPr>
+          </a:p>
+        </p:txBody>
+      </p:sp>
+      <p:cxnSp>
+        <p:nvCxnSpPr>
+          <p:cNvPr id="62" name="カギ線コネクタ 61"/>
+          <p:cNvCxnSpPr>
+            <a:endCxn id="46" idx="2"/>
+          </p:cNvCxnSpPr>
+          <p:nvPr/>
+        </p:nvCxnSpPr>
+        <p:spPr>
+          <a:xfrm rot="10800000">
+            <a:off x="2001092" y="3827881"/>
+            <a:ext cx="735761" cy="602299"/>
+          </a:xfrm>
+          <a:prstGeom prst="bentConnector2">
+            <a:avLst/>
+          </a:prstGeom>
+          <a:ln w="57150">
+            <a:solidFill>
+              <a:srgbClr val="FFC000"/>
+            </a:solidFill>
+            <a:tailEnd type="arrow"/>
+          </a:ln>
+        </p:spPr>
+        <p:style>
+          <a:lnRef idx="1">
+            <a:schemeClr val="accent1"/>
+          </a:lnRef>
+          <a:fillRef idx="0">
+            <a:schemeClr val="accent1"/>
+          </a:fillRef>
+          <a:effectRef idx="0">
+            <a:schemeClr val="accent1"/>
+          </a:effectRef>
+          <a:fontRef idx="minor">
+            <a:schemeClr val="tx1"/>
+          </a:fontRef>
+        </p:style>
+      </p:cxnSp>
+      <p:sp>
+        <p:nvSpPr>
+          <p:cNvPr id="61" name="正方形/長方形 60">
+            <a:extLst>
+              <a:ext uri="{FF2B5EF4-FFF2-40B4-BE49-F238E27FC236}">
+                <a16:creationId xmlns:a16="http://schemas.microsoft.com/office/drawing/2014/main" id="{962C7ED4-AC6A-4A75-A001-571F52008EE0}"/>
+              </a:ext>
+            </a:extLst>
+          </p:cNvPr>
+          <p:cNvSpPr/>
+          <p:nvPr/>
+        </p:nvSpPr>
+        <p:spPr>
+          <a:xfrm>
+            <a:off x="4141935" y="4833637"/>
+            <a:ext cx="1610534" cy="634384"/>
+          </a:xfrm>
+          <a:prstGeom prst="rect">
+            <a:avLst/>
+          </a:prstGeom>
+          <a:solidFill>
+            <a:schemeClr val="bg1"/>
+          </a:solidFill>
+          <a:ln w="19050"/>
+        </p:spPr>
+        <p:style>
+          <a:lnRef idx="2">
+            <a:schemeClr val="accent1">
+              <a:shade val="50000"/>
+            </a:schemeClr>
+          </a:lnRef>
+          <a:fillRef idx="1">
+            <a:schemeClr val="accent1"/>
+          </a:fillRef>
+          <a:effectRef idx="0">
+            <a:schemeClr val="accent1"/>
+          </a:effectRef>
+          <a:fontRef idx="minor">
+            <a:schemeClr val="lt1"/>
+          </a:fontRef>
+        </p:style>
+        <p:txBody>
+          <a:bodyPr rtlCol="0" anchor="ctr"/>
+          <a:lstStyle/>
+          <a:p>
+            <a:pPr algn="ctr"/>
+            <a:endParaRPr kumimoji="1" lang="ja-JP" altLang="en-US"/>
+          </a:p>
+        </p:txBody>
+      </p:sp>
       <p:pic>
         <p:nvPicPr>
-          <p:cNvPr id="65" name="Picture 3" descr="C:\Users\kunii\Desktop\1200px-Redis_Logo.svg.png"/>
+          <p:cNvPr id="68" name="Picture 4" descr="C:\Users\kunii\Desktop\20151222221539.jpg">
+            <a:extLst>
+              <a:ext uri="{FF2B5EF4-FFF2-40B4-BE49-F238E27FC236}">
+                <a16:creationId xmlns:a16="http://schemas.microsoft.com/office/drawing/2014/main" id="{7E8776ED-2876-4742-BC53-9C09482A6EA9}"/>
+              </a:ext>
+            </a:extLst>
+          </p:cNvPr>
           <p:cNvPicPr>
             <a:picLocks noChangeAspect="1" noChangeArrowheads="1"/>
           </p:cNvPicPr>
           <p:nvPr/>
         </p:nvPicPr>
         <p:blipFill>
-          <a:blip r:embed="rId7" cstate="print">
+          <a:blip r:embed="rId5" cstate="print">
             <a:extLst>
               <a:ext uri="{28A0092B-C50C-407E-A947-70E740481C1C}">
                 <a14:useLocalDpi xmlns:a14="http://schemas.microsoft.com/office/drawing/2010/main" val="0"/>
@@ -4688,8 +5478,8 @@
         </p:blipFill>
         <p:spPr bwMode="auto">
           <a:xfrm>
-            <a:off x="6390731" y="2501583"/>
-            <a:ext cx="814021" cy="272018"/>
+            <a:off x="3979835" y="4653622"/>
+            <a:ext cx="504323" cy="392363"/>
           </a:xfrm>
           <a:prstGeom prst="rect">
             <a:avLst/>
@@ -4706,384 +5496,15 @@
           </a:extLst>
         </p:spPr>
       </p:pic>
-      <p:sp>
-        <p:nvSpPr>
-          <p:cNvPr id="66" name="正方形/長方形 65"/>
-          <p:cNvSpPr/>
-          <p:nvPr/>
-        </p:nvSpPr>
-        <p:spPr>
-          <a:xfrm>
-            <a:off x="2922430" y="4148244"/>
-            <a:ext cx="1253387" cy="493705"/>
-          </a:xfrm>
-          <a:prstGeom prst="rect">
-            <a:avLst/>
-          </a:prstGeom>
-          <a:solidFill>
-            <a:schemeClr val="bg1"/>
-          </a:solidFill>
-          <a:ln w="19050"/>
-        </p:spPr>
-        <p:style>
-          <a:lnRef idx="2">
-            <a:schemeClr val="accent1">
-              <a:shade val="50000"/>
-            </a:schemeClr>
-          </a:lnRef>
-          <a:fillRef idx="1">
-            <a:schemeClr val="accent1"/>
-          </a:fillRef>
-          <a:effectRef idx="0">
-            <a:schemeClr val="accent1"/>
-          </a:effectRef>
-          <a:fontRef idx="minor">
-            <a:schemeClr val="lt1"/>
-          </a:fontRef>
-        </p:style>
-        <p:txBody>
-          <a:bodyPr rtlCol="0" anchor="ctr"/>
-          <a:lstStyle/>
-          <a:p>
-            <a:pPr algn="ctr"/>
-            <a:r>
-              <a:rPr kumimoji="1" lang="en-US" altLang="ja-JP" sz="1200" dirty="0" smtClean="0">
-                <a:solidFill>
-                  <a:schemeClr val="bg2">
-                    <a:lumMod val="10000"/>
-                  </a:schemeClr>
-                </a:solidFill>
-              </a:rPr>
-              <a:t>collect</a:t>
-            </a:r>
-            <a:endParaRPr kumimoji="1" lang="ja-JP" altLang="en-US" sz="1200" dirty="0">
-              <a:solidFill>
-                <a:schemeClr val="bg2">
-                  <a:lumMod val="10000"/>
-                </a:schemeClr>
-              </a:solidFill>
-            </a:endParaRPr>
-          </a:p>
-        </p:txBody>
-      </p:sp>
       <p:pic>
         <p:nvPicPr>
-          <p:cNvPr id="67" name="Picture 4" descr="C:\Users\kunii\Desktop\20151222221539.jpg"/>
-          <p:cNvPicPr>
-            <a:picLocks noChangeAspect="1" noChangeArrowheads="1"/>
-          </p:cNvPicPr>
-          <p:nvPr/>
-        </p:nvPicPr>
-        <p:blipFill>
-          <a:blip r:embed="rId6" cstate="print">
+          <p:cNvPr id="70" name="Picture 4" descr="C:\Users\kunii\Desktop\download.png">
             <a:extLst>
-              <a:ext uri="{28A0092B-C50C-407E-A947-70E740481C1C}">
-                <a14:useLocalDpi xmlns:a14="http://schemas.microsoft.com/office/drawing/2010/main" val="0"/>
+              <a:ext uri="{FF2B5EF4-FFF2-40B4-BE49-F238E27FC236}">
+                <a16:creationId xmlns:a16="http://schemas.microsoft.com/office/drawing/2014/main" id="{D64F8984-9B8E-42AB-80FD-B56EF098A806}"/>
               </a:ext>
             </a:extLst>
-          </a:blip>
-          <a:srcRect/>
-          <a:stretch>
-            <a:fillRect/>
-          </a:stretch>
-        </p:blipFill>
-        <p:spPr bwMode="auto">
-          <a:xfrm>
-            <a:off x="2635007" y="3942313"/>
-            <a:ext cx="504323" cy="392363"/>
-          </a:xfrm>
-          <a:prstGeom prst="rect">
-            <a:avLst/>
-          </a:prstGeom>
-          <a:noFill/>
-          <a:extLst>
-            <a:ext uri="{909E8E84-426E-40DD-AFC4-6F175D3DCCD1}">
-              <a14:hiddenFill xmlns:a14="http://schemas.microsoft.com/office/drawing/2010/main">
-                <a:solidFill>
-                  <a:srgbClr val="FFFFFF"/>
-                </a:solidFill>
-              </a14:hiddenFill>
-            </a:ext>
-          </a:extLst>
-        </p:spPr>
-      </p:pic>
-      <p:sp>
-        <p:nvSpPr>
-          <p:cNvPr id="69" name="正方形/長方形 68"/>
-          <p:cNvSpPr/>
-          <p:nvPr/>
-        </p:nvSpPr>
-        <p:spPr>
-          <a:xfrm>
-            <a:off x="6155015" y="3448608"/>
-            <a:ext cx="1253387" cy="493705"/>
-          </a:xfrm>
-          <a:prstGeom prst="rect">
-            <a:avLst/>
-          </a:prstGeom>
-          <a:solidFill>
-            <a:schemeClr val="bg1"/>
-          </a:solidFill>
-          <a:ln w="19050"/>
-        </p:spPr>
-        <p:style>
-          <a:lnRef idx="2">
-            <a:schemeClr val="accent1">
-              <a:shade val="50000"/>
-            </a:schemeClr>
-          </a:lnRef>
-          <a:fillRef idx="1">
-            <a:schemeClr val="accent1"/>
-          </a:fillRef>
-          <a:effectRef idx="0">
-            <a:schemeClr val="accent1"/>
-          </a:effectRef>
-          <a:fontRef idx="minor">
-            <a:schemeClr val="lt1"/>
-          </a:fontRef>
-        </p:style>
-        <p:txBody>
-          <a:bodyPr rtlCol="0" anchor="ctr"/>
-          <a:lstStyle/>
-          <a:p>
-            <a:pPr algn="ctr"/>
-            <a:r>
-              <a:rPr lang="en-US" altLang="ja-JP" sz="1200" dirty="0" smtClean="0">
-                <a:solidFill>
-                  <a:schemeClr val="bg2">
-                    <a:lumMod val="10000"/>
-                  </a:schemeClr>
-                </a:solidFill>
-              </a:rPr>
-              <a:t>g</a:t>
-            </a:r>
-            <a:r>
-              <a:rPr kumimoji="1" lang="en-US" altLang="ja-JP" sz="1200" dirty="0" smtClean="0">
-                <a:solidFill>
-                  <a:schemeClr val="bg2">
-                    <a:lumMod val="10000"/>
-                  </a:schemeClr>
-                </a:solidFill>
-              </a:rPr>
-              <a:t>et-body</a:t>
-            </a:r>
-            <a:endParaRPr kumimoji="1" lang="ja-JP" altLang="en-US" sz="1200" dirty="0">
-              <a:solidFill>
-                <a:schemeClr val="bg2">
-                  <a:lumMod val="10000"/>
-                </a:schemeClr>
-              </a:solidFill>
-            </a:endParaRPr>
-          </a:p>
-        </p:txBody>
-      </p:sp>
-      <p:pic>
-        <p:nvPicPr>
-          <p:cNvPr id="72" name="Picture 4" descr="C:\Users\kunii\Desktop\20151222221539.jpg"/>
-          <p:cNvPicPr>
-            <a:picLocks noChangeAspect="1" noChangeArrowheads="1"/>
-          </p:cNvPicPr>
-          <p:nvPr/>
-        </p:nvPicPr>
-        <p:blipFill>
-          <a:blip r:embed="rId6" cstate="print">
-            <a:extLst>
-              <a:ext uri="{28A0092B-C50C-407E-A947-70E740481C1C}">
-                <a14:useLocalDpi xmlns:a14="http://schemas.microsoft.com/office/drawing/2010/main" val="0"/>
-              </a:ext>
-            </a:extLst>
-          </a:blip>
-          <a:srcRect/>
-          <a:stretch>
-            <a:fillRect/>
-          </a:stretch>
-        </p:blipFill>
-        <p:spPr bwMode="auto">
-          <a:xfrm>
-            <a:off x="5992915" y="3268593"/>
-            <a:ext cx="504323" cy="392363"/>
-          </a:xfrm>
-          <a:prstGeom prst="rect">
-            <a:avLst/>
-          </a:prstGeom>
-          <a:noFill/>
-          <a:extLst>
-            <a:ext uri="{909E8E84-426E-40DD-AFC4-6F175D3DCCD1}">
-              <a14:hiddenFill xmlns:a14="http://schemas.microsoft.com/office/drawing/2010/main">
-                <a:solidFill>
-                  <a:srgbClr val="FFFFFF"/>
-                </a:solidFill>
-              </a14:hiddenFill>
-            </a:ext>
-          </a:extLst>
-        </p:spPr>
-      </p:pic>
-      <p:sp>
-        <p:nvSpPr>
-          <p:cNvPr id="73" name="テキスト ボックス 72"/>
-          <p:cNvSpPr txBox="1"/>
-          <p:nvPr/>
-        </p:nvSpPr>
-        <p:spPr>
-          <a:xfrm>
-            <a:off x="2845969" y="5004652"/>
-            <a:ext cx="534121" cy="253916"/>
-          </a:xfrm>
-          <a:prstGeom prst="rect">
-            <a:avLst/>
-          </a:prstGeom>
-          <a:noFill/>
-        </p:spPr>
-        <p:txBody>
-          <a:bodyPr wrap="none" rtlCol="0">
-            <a:spAutoFit/>
-          </a:bodyPr>
-          <a:lstStyle/>
-          <a:p>
-            <a:r>
-              <a:rPr kumimoji="1" lang="en-US" altLang="ja-JP" sz="1050" dirty="0" smtClean="0">
-                <a:latin typeface="メイリオ" panose="020B0604030504040204" pitchFamily="50" charset="-128"/>
-                <a:ea typeface="メイリオ" panose="020B0604030504040204" pitchFamily="50" charset="-128"/>
-              </a:rPr>
-              <a:t>Store</a:t>
-            </a:r>
-            <a:endParaRPr kumimoji="1" lang="ja-JP" altLang="en-US" sz="1050" dirty="0">
-              <a:latin typeface="メイリオ" panose="020B0604030504040204" pitchFamily="50" charset="-128"/>
-              <a:ea typeface="メイリオ" panose="020B0604030504040204" pitchFamily="50" charset="-128"/>
-            </a:endParaRPr>
-          </a:p>
-        </p:txBody>
-      </p:sp>
-      <p:sp>
-        <p:nvSpPr>
-          <p:cNvPr id="74" name="テキスト ボックス 73"/>
-          <p:cNvSpPr txBox="1"/>
-          <p:nvPr/>
-        </p:nvSpPr>
-        <p:spPr>
-          <a:xfrm>
-            <a:off x="4175817" y="2504728"/>
-            <a:ext cx="1143262" cy="253916"/>
-          </a:xfrm>
-          <a:prstGeom prst="rect">
-            <a:avLst/>
-          </a:prstGeom>
-          <a:noFill/>
-        </p:spPr>
-        <p:txBody>
-          <a:bodyPr wrap="none" rtlCol="0">
-            <a:spAutoFit/>
-          </a:bodyPr>
-          <a:lstStyle/>
-          <a:p>
-            <a:r>
-              <a:rPr kumimoji="1" lang="en-US" altLang="ja-JP" sz="1050" dirty="0" smtClean="0">
-                <a:latin typeface="メイリオ" panose="020B0604030504040204" pitchFamily="50" charset="-128"/>
-                <a:ea typeface="メイリオ" panose="020B0604030504040204" pitchFamily="50" charset="-128"/>
-              </a:rPr>
-              <a:t>Get page body</a:t>
-            </a:r>
-            <a:endParaRPr kumimoji="1" lang="ja-JP" altLang="en-US" sz="1050" dirty="0">
-              <a:latin typeface="メイリオ" panose="020B0604030504040204" pitchFamily="50" charset="-128"/>
-              <a:ea typeface="メイリオ" panose="020B0604030504040204" pitchFamily="50" charset="-128"/>
-            </a:endParaRPr>
-          </a:p>
-        </p:txBody>
-      </p:sp>
-      <p:sp>
-        <p:nvSpPr>
-          <p:cNvPr id="89" name="正方形/長方形 88"/>
-          <p:cNvSpPr/>
-          <p:nvPr/>
-        </p:nvSpPr>
-        <p:spPr>
-          <a:xfrm>
-            <a:off x="7178028" y="4366388"/>
-            <a:ext cx="1253387" cy="493705"/>
-          </a:xfrm>
-          <a:prstGeom prst="rect">
-            <a:avLst/>
-          </a:prstGeom>
-          <a:solidFill>
-            <a:schemeClr val="bg1"/>
-          </a:solidFill>
-          <a:ln w="19050"/>
-        </p:spPr>
-        <p:style>
-          <a:lnRef idx="2">
-            <a:schemeClr val="accent1">
-              <a:shade val="50000"/>
-            </a:schemeClr>
-          </a:lnRef>
-          <a:fillRef idx="1">
-            <a:schemeClr val="accent1"/>
-          </a:fillRef>
-          <a:effectRef idx="0">
-            <a:schemeClr val="accent1"/>
-          </a:effectRef>
-          <a:fontRef idx="minor">
-            <a:schemeClr val="lt1"/>
-          </a:fontRef>
-        </p:style>
-        <p:txBody>
-          <a:bodyPr rtlCol="0" anchor="ctr"/>
-          <a:lstStyle/>
-          <a:p>
-            <a:pPr algn="ctr"/>
-            <a:endParaRPr kumimoji="1" lang="ja-JP" altLang="en-US" sz="1200" dirty="0">
-              <a:solidFill>
-                <a:schemeClr val="bg2">
-                  <a:lumMod val="10000"/>
-                </a:schemeClr>
-              </a:solidFill>
-            </a:endParaRPr>
-          </a:p>
-        </p:txBody>
-      </p:sp>
-      <p:pic>
-        <p:nvPicPr>
-          <p:cNvPr id="90" name="Picture 4" descr="C:\Users\kunii\Desktop\20151222221539.jpg"/>
-          <p:cNvPicPr>
-            <a:picLocks noChangeAspect="1" noChangeArrowheads="1"/>
-          </p:cNvPicPr>
-          <p:nvPr/>
-        </p:nvPicPr>
-        <p:blipFill>
-          <a:blip r:embed="rId6" cstate="print">
-            <a:extLst>
-              <a:ext uri="{28A0092B-C50C-407E-A947-70E740481C1C}">
-                <a14:useLocalDpi xmlns:a14="http://schemas.microsoft.com/office/drawing/2010/main" val="0"/>
-              </a:ext>
-            </a:extLst>
-          </a:blip>
-          <a:srcRect/>
-          <a:stretch>
-            <a:fillRect/>
-          </a:stretch>
-        </p:blipFill>
-        <p:spPr bwMode="auto">
-          <a:xfrm>
-            <a:off x="7015928" y="4186373"/>
-            <a:ext cx="504323" cy="392363"/>
-          </a:xfrm>
-          <a:prstGeom prst="rect">
-            <a:avLst/>
-          </a:prstGeom>
-          <a:noFill/>
-          <a:extLst>
-            <a:ext uri="{909E8E84-426E-40DD-AFC4-6F175D3DCCD1}">
-              <a14:hiddenFill xmlns:a14="http://schemas.microsoft.com/office/drawing/2010/main">
-                <a:solidFill>
-                  <a:srgbClr val="FFFFFF"/>
-                </a:solidFill>
-              </a14:hiddenFill>
-            </a:ext>
-          </a:extLst>
-        </p:spPr>
-      </p:pic>
-      <p:pic>
-        <p:nvPicPr>
-          <p:cNvPr id="91" name="Picture 4" descr="C:\Users\kunii\Desktop\logo.png"/>
+          </p:cNvPr>
           <p:cNvPicPr>
             <a:picLocks noChangeAspect="1" noChangeArrowheads="1"/>
           </p:cNvPicPr>
@@ -5104,8 +5525,8 @@
         </p:blipFill>
         <p:spPr bwMode="auto">
           <a:xfrm>
-            <a:off x="7434126" y="4532035"/>
-            <a:ext cx="816510" cy="219829"/>
+            <a:off x="4736886" y="4873787"/>
+            <a:ext cx="441210" cy="517943"/>
           </a:xfrm>
           <a:prstGeom prst="rect">
             <a:avLst/>
@@ -5122,333 +5543,6 @@
           </a:extLst>
         </p:spPr>
       </p:pic>
-      <p:sp>
-        <p:nvSpPr>
-          <p:cNvPr id="37" name="テキスト ボックス 36"/>
-          <p:cNvSpPr txBox="1"/>
-          <p:nvPr/>
-        </p:nvSpPr>
-        <p:spPr>
-          <a:xfrm>
-            <a:off x="5856444" y="4377476"/>
-            <a:ext cx="716863" cy="253916"/>
-          </a:xfrm>
-          <a:prstGeom prst="rect">
-            <a:avLst/>
-          </a:prstGeom>
-          <a:noFill/>
-        </p:spPr>
-        <p:txBody>
-          <a:bodyPr wrap="none" rtlCol="0">
-            <a:spAutoFit/>
-          </a:bodyPr>
-          <a:lstStyle/>
-          <a:p>
-            <a:r>
-              <a:rPr kumimoji="1" lang="en-US" altLang="ja-JP" sz="1050" dirty="0" smtClean="0">
-                <a:latin typeface="メイリオ" panose="020B0604030504040204" pitchFamily="50" charset="-128"/>
-                <a:ea typeface="メイリオ" panose="020B0604030504040204" pitchFamily="50" charset="-128"/>
-              </a:rPr>
-              <a:t>Analysis</a:t>
-            </a:r>
-            <a:endParaRPr kumimoji="1" lang="ja-JP" altLang="en-US" sz="1050" dirty="0">
-              <a:latin typeface="メイリオ" panose="020B0604030504040204" pitchFamily="50" charset="-128"/>
-              <a:ea typeface="メイリオ" panose="020B0604030504040204" pitchFamily="50" charset="-128"/>
-            </a:endParaRPr>
-          </a:p>
-        </p:txBody>
-      </p:sp>
-      <p:sp>
-        <p:nvSpPr>
-          <p:cNvPr id="85" name="円/楕円 84"/>
-          <p:cNvSpPr/>
-          <p:nvPr/>
-        </p:nvSpPr>
-        <p:spPr>
-          <a:xfrm>
-            <a:off x="5591784" y="4316197"/>
-            <a:ext cx="325753" cy="325753"/>
-          </a:xfrm>
-          <a:prstGeom prst="ellipse">
-            <a:avLst/>
-          </a:prstGeom>
-          <a:solidFill>
-            <a:srgbClr val="FF0000"/>
-          </a:solidFill>
-          <a:ln>
-            <a:noFill/>
-          </a:ln>
-        </p:spPr>
-        <p:style>
-          <a:lnRef idx="2">
-            <a:schemeClr val="accent1">
-              <a:shade val="50000"/>
-            </a:schemeClr>
-          </a:lnRef>
-          <a:fillRef idx="1">
-            <a:schemeClr val="accent1"/>
-          </a:fillRef>
-          <a:effectRef idx="0">
-            <a:schemeClr val="accent1"/>
-          </a:effectRef>
-          <a:fontRef idx="minor">
-            <a:schemeClr val="lt1"/>
-          </a:fontRef>
-        </p:style>
-        <p:txBody>
-          <a:bodyPr rtlCol="0" anchor="ctr"/>
-          <a:lstStyle/>
-          <a:p>
-            <a:pPr algn="ctr"/>
-            <a:r>
-              <a:rPr lang="en-US" altLang="ja-JP" dirty="0" smtClean="0">
-                <a:solidFill>
-                  <a:schemeClr val="bg1"/>
-                </a:solidFill>
-              </a:rPr>
-              <a:t>5</a:t>
-            </a:r>
-            <a:endParaRPr kumimoji="1" lang="ja-JP" altLang="en-US" dirty="0">
-              <a:solidFill>
-                <a:schemeClr val="bg1"/>
-              </a:solidFill>
-            </a:endParaRPr>
-          </a:p>
-        </p:txBody>
-      </p:sp>
-      <p:sp>
-        <p:nvSpPr>
-          <p:cNvPr id="46" name="正方形/長方形 45"/>
-          <p:cNvSpPr/>
-          <p:nvPr/>
-        </p:nvSpPr>
-        <p:spPr>
-          <a:xfrm>
-            <a:off x="1374397" y="3334175"/>
-            <a:ext cx="1253387" cy="493705"/>
-          </a:xfrm>
-          <a:prstGeom prst="rect">
-            <a:avLst/>
-          </a:prstGeom>
-          <a:solidFill>
-            <a:schemeClr val="bg1"/>
-          </a:solidFill>
-          <a:ln w="19050"/>
-        </p:spPr>
-        <p:style>
-          <a:lnRef idx="2">
-            <a:schemeClr val="accent1">
-              <a:shade val="50000"/>
-            </a:schemeClr>
-          </a:lnRef>
-          <a:fillRef idx="1">
-            <a:schemeClr val="accent1"/>
-          </a:fillRef>
-          <a:effectRef idx="0">
-            <a:schemeClr val="accent1"/>
-          </a:effectRef>
-          <a:fontRef idx="minor">
-            <a:schemeClr val="lt1"/>
-          </a:fontRef>
-        </p:style>
-        <p:txBody>
-          <a:bodyPr rtlCol="0" anchor="ctr"/>
-          <a:lstStyle/>
-          <a:p>
-            <a:pPr algn="ctr"/>
-            <a:r>
-              <a:rPr kumimoji="1" lang="en-US" altLang="ja-JP" sz="1200" dirty="0" smtClean="0">
-                <a:solidFill>
-                  <a:schemeClr val="bg2">
-                    <a:lumMod val="10000"/>
-                  </a:schemeClr>
-                </a:solidFill>
-              </a:rPr>
-              <a:t>get-search-result</a:t>
-            </a:r>
-            <a:endParaRPr kumimoji="1" lang="ja-JP" altLang="en-US" sz="1200" dirty="0">
-              <a:solidFill>
-                <a:schemeClr val="bg2">
-                  <a:lumMod val="10000"/>
-                </a:schemeClr>
-              </a:solidFill>
-            </a:endParaRPr>
-          </a:p>
-        </p:txBody>
-      </p:sp>
-      <p:pic>
-        <p:nvPicPr>
-          <p:cNvPr id="50" name="Picture 4" descr="C:\Users\kunii\Desktop\20151222221539.jpg"/>
-          <p:cNvPicPr>
-            <a:picLocks noChangeAspect="1" noChangeArrowheads="1"/>
-          </p:cNvPicPr>
-          <p:nvPr/>
-        </p:nvPicPr>
-        <p:blipFill>
-          <a:blip r:embed="rId6" cstate="print">
-            <a:extLst>
-              <a:ext uri="{28A0092B-C50C-407E-A947-70E740481C1C}">
-                <a14:useLocalDpi xmlns:a14="http://schemas.microsoft.com/office/drawing/2010/main" val="0"/>
-              </a:ext>
-            </a:extLst>
-          </a:blip>
-          <a:srcRect/>
-          <a:stretch>
-            <a:fillRect/>
-          </a:stretch>
-        </p:blipFill>
-        <p:spPr bwMode="auto">
-          <a:xfrm>
-            <a:off x="1180846" y="3164745"/>
-            <a:ext cx="504323" cy="392363"/>
-          </a:xfrm>
-          <a:prstGeom prst="rect">
-            <a:avLst/>
-          </a:prstGeom>
-          <a:noFill/>
-          <a:extLst>
-            <a:ext uri="{909E8E84-426E-40DD-AFC4-6F175D3DCCD1}">
-              <a14:hiddenFill xmlns:a14="http://schemas.microsoft.com/office/drawing/2010/main">
-                <a:solidFill>
-                  <a:srgbClr val="FFFFFF"/>
-                </a:solidFill>
-              </a14:hiddenFill>
-            </a:ext>
-          </a:extLst>
-        </p:spPr>
-      </p:pic>
-      <p:sp>
-        <p:nvSpPr>
-          <p:cNvPr id="2" name="円/楕円 1"/>
-          <p:cNvSpPr/>
-          <p:nvPr/>
-        </p:nvSpPr>
-        <p:spPr>
-          <a:xfrm>
-            <a:off x="238356" y="3894063"/>
-            <a:ext cx="325753" cy="325753"/>
-          </a:xfrm>
-          <a:prstGeom prst="ellipse">
-            <a:avLst/>
-          </a:prstGeom>
-          <a:solidFill>
-            <a:srgbClr val="FF0000"/>
-          </a:solidFill>
-          <a:ln>
-            <a:noFill/>
-          </a:ln>
-        </p:spPr>
-        <p:style>
-          <a:lnRef idx="2">
-            <a:schemeClr val="accent1">
-              <a:shade val="50000"/>
-            </a:schemeClr>
-          </a:lnRef>
-          <a:fillRef idx="1">
-            <a:schemeClr val="accent1"/>
-          </a:fillRef>
-          <a:effectRef idx="0">
-            <a:schemeClr val="accent1"/>
-          </a:effectRef>
-          <a:fontRef idx="minor">
-            <a:schemeClr val="lt1"/>
-          </a:fontRef>
-        </p:style>
-        <p:txBody>
-          <a:bodyPr rtlCol="0" anchor="ctr"/>
-          <a:lstStyle/>
-          <a:p>
-            <a:pPr algn="ctr"/>
-            <a:r>
-              <a:rPr kumimoji="1" lang="en-US" altLang="ja-JP" dirty="0" smtClean="0">
-                <a:solidFill>
-                  <a:schemeClr val="bg1"/>
-                </a:solidFill>
-              </a:rPr>
-              <a:t>1</a:t>
-            </a:r>
-            <a:endParaRPr kumimoji="1" lang="ja-JP" altLang="en-US" dirty="0">
-              <a:solidFill>
-                <a:schemeClr val="bg1"/>
-              </a:solidFill>
-            </a:endParaRPr>
-          </a:p>
-        </p:txBody>
-      </p:sp>
-      <p:sp>
-        <p:nvSpPr>
-          <p:cNvPr id="80" name="テキスト ボックス 79"/>
-          <p:cNvSpPr txBox="1"/>
-          <p:nvPr/>
-        </p:nvSpPr>
-        <p:spPr>
-          <a:xfrm>
-            <a:off x="595862" y="3942313"/>
-            <a:ext cx="1303562" cy="253916"/>
-          </a:xfrm>
-          <a:prstGeom prst="rect">
-            <a:avLst/>
-          </a:prstGeom>
-          <a:noFill/>
-        </p:spPr>
-        <p:txBody>
-          <a:bodyPr wrap="none" rtlCol="0">
-            <a:spAutoFit/>
-          </a:bodyPr>
-          <a:lstStyle/>
-          <a:p>
-            <a:r>
-              <a:rPr kumimoji="1" lang="en-US" altLang="ja-JP" sz="1050" dirty="0" smtClean="0">
-                <a:latin typeface="メイリオ" panose="020B0604030504040204" pitchFamily="50" charset="-128"/>
-                <a:ea typeface="メイリオ" panose="020B0604030504040204" pitchFamily="50" charset="-128"/>
-              </a:rPr>
-              <a:t>Get search result</a:t>
-            </a:r>
-            <a:endParaRPr kumimoji="1" lang="ja-JP" altLang="en-US" sz="1050" dirty="0">
-              <a:latin typeface="メイリオ" panose="020B0604030504040204" pitchFamily="50" charset="-128"/>
-              <a:ea typeface="メイリオ" panose="020B0604030504040204" pitchFamily="50" charset="-128"/>
-            </a:endParaRPr>
-          </a:p>
-        </p:txBody>
-      </p:sp>
-      <p:cxnSp>
-        <p:nvCxnSpPr>
-          <p:cNvPr id="62" name="カギ線コネクタ 61"/>
-          <p:cNvCxnSpPr>
-            <a:endCxn id="46" idx="2"/>
-          </p:cNvCxnSpPr>
-          <p:nvPr/>
-        </p:nvCxnSpPr>
-        <p:spPr>
-          <a:xfrm rot="10800000">
-            <a:off x="2001092" y="3827881"/>
-            <a:ext cx="735761" cy="602299"/>
-          </a:xfrm>
-          <a:prstGeom prst="bentConnector2">
-            <a:avLst/>
-          </a:prstGeom>
-          <a:ln w="57150">
-            <a:solidFill>
-              <a:srgbClr val="FFC000"/>
-            </a:solidFill>
-            <a:tailEnd type="arrow"/>
-          </a:ln>
-        </p:spPr>
-        <p:style>
-          <a:lnRef idx="1">
-            <a:schemeClr val="accent1"/>
-          </a:lnRef>
-          <a:fillRef idx="0">
-            <a:schemeClr val="accent1"/>
-          </a:fillRef>
-          <a:effectRef idx="0">
-            <a:schemeClr val="accent1"/>
-          </a:effectRef>
-          <a:fontRef idx="minor">
-            <a:schemeClr val="tx1"/>
-          </a:fontRef>
-        </p:style>
-      </p:cxnSp>
     </p:spTree>
     <p:extLst>
       <p:ext uri="{BB962C8B-B14F-4D97-AF65-F5344CB8AC3E}">

--- a/summary.pptx
+++ b/summary.pptx
@@ -5081,7 +5081,7 @@
         <p:spPr>
           <a:xfrm>
             <a:off x="5856444" y="4377476"/>
-            <a:ext cx="716863" cy="253916"/>
+            <a:ext cx="692818" cy="253916"/>
           </a:xfrm>
           <a:prstGeom prst="rect">
             <a:avLst/>
@@ -5095,11 +5095,11 @@
           <a:lstStyle/>
           <a:p>
             <a:r>
-              <a:rPr kumimoji="1" lang="en-US" altLang="ja-JP" sz="1050" dirty="0">
+              <a:rPr kumimoji="1" lang="en-US" altLang="ja-JP" sz="1050">
                 <a:latin typeface="メイリオ" panose="020B0604030504040204" pitchFamily="50" charset="-128"/>
                 <a:ea typeface="メイリオ" panose="020B0604030504040204" pitchFamily="50" charset="-128"/>
               </a:rPr>
-              <a:t>Analysis</a:t>
+              <a:t>Analyze</a:t>
             </a:r>
             <a:endParaRPr kumimoji="1" lang="ja-JP" altLang="en-US" sz="1050" dirty="0">
               <a:latin typeface="メイリオ" panose="020B0604030504040204" pitchFamily="50" charset="-128"/>
